--- a/201421375강지천.pptx
+++ b/201421375강지천.pptx
@@ -22,9 +22,14 @@
   <p:notesSz cx="6858000" cy="9144000"/>
   <p:embeddedFontLst>
     <p:embeddedFont>
+      <p:font typeface="Franklin Gothic Heavy" panose="020B0903020102020204" pitchFamily="34" charset="0"/>
+      <p:regular r:id="rId12"/>
+      <p:italic r:id="rId13"/>
+    </p:embeddedFont>
+    <p:embeddedFont>
       <p:font typeface="맑은 고딕" panose="020B0503020000020004" pitchFamily="50" charset="-127"/>
-      <p:regular r:id="rId12"/>
-      <p:bold r:id="rId13"/>
+      <p:regular r:id="rId14"/>
+      <p:bold r:id="rId15"/>
     </p:embeddedFont>
   </p:embeddedFontLst>
   <p:defaultTextStyle>
@@ -227,7 +232,7 @@
           <a:p>
             <a:fld id="{6F3AB0FE-43E4-40F7-8BCE-F34E34FD938C}" type="datetimeFigureOut">
               <a:rPr lang="ko-KR" altLang="en-US" smtClean="0"/>
-              <a:t>2017-10-13</a:t>
+              <a:t>2017-10-16</a:t>
             </a:fld>
             <a:endParaRPr lang="ko-KR" altLang="en-US"/>
           </a:p>
@@ -1034,7 +1039,7 @@
           <a:p>
             <a:fld id="{8475586A-0788-4CE9-8C7E-ECF7F411605D}" type="datetimeFigureOut">
               <a:rPr lang="ko-KR" altLang="en-US" smtClean="0"/>
-              <a:t>2017-10-13</a:t>
+              <a:t>2017-10-16</a:t>
             </a:fld>
             <a:endParaRPr lang="ko-KR" altLang="en-US"/>
           </a:p>
@@ -1202,7 +1207,7 @@
           <a:p>
             <a:fld id="{8475586A-0788-4CE9-8C7E-ECF7F411605D}" type="datetimeFigureOut">
               <a:rPr lang="ko-KR" altLang="en-US" smtClean="0"/>
-              <a:t>2017-10-13</a:t>
+              <a:t>2017-10-16</a:t>
             </a:fld>
             <a:endParaRPr lang="ko-KR" altLang="en-US"/>
           </a:p>
@@ -1380,7 +1385,7 @@
           <a:p>
             <a:fld id="{8475586A-0788-4CE9-8C7E-ECF7F411605D}" type="datetimeFigureOut">
               <a:rPr lang="ko-KR" altLang="en-US" smtClean="0"/>
-              <a:t>2017-10-13</a:t>
+              <a:t>2017-10-16</a:t>
             </a:fld>
             <a:endParaRPr lang="ko-KR" altLang="en-US"/>
           </a:p>
@@ -1548,7 +1553,7 @@
           <a:p>
             <a:fld id="{8475586A-0788-4CE9-8C7E-ECF7F411605D}" type="datetimeFigureOut">
               <a:rPr lang="ko-KR" altLang="en-US" smtClean="0"/>
-              <a:t>2017-10-13</a:t>
+              <a:t>2017-10-16</a:t>
             </a:fld>
             <a:endParaRPr lang="ko-KR" altLang="en-US"/>
           </a:p>
@@ -1793,7 +1798,7 @@
           <a:p>
             <a:fld id="{8475586A-0788-4CE9-8C7E-ECF7F411605D}" type="datetimeFigureOut">
               <a:rPr lang="ko-KR" altLang="en-US" smtClean="0"/>
-              <a:t>2017-10-13</a:t>
+              <a:t>2017-10-16</a:t>
             </a:fld>
             <a:endParaRPr lang="ko-KR" altLang="en-US"/>
           </a:p>
@@ -2078,7 +2083,7 @@
           <a:p>
             <a:fld id="{8475586A-0788-4CE9-8C7E-ECF7F411605D}" type="datetimeFigureOut">
               <a:rPr lang="ko-KR" altLang="en-US" smtClean="0"/>
-              <a:t>2017-10-13</a:t>
+              <a:t>2017-10-16</a:t>
             </a:fld>
             <a:endParaRPr lang="ko-KR" altLang="en-US"/>
           </a:p>
@@ -2497,7 +2502,7 @@
           <a:p>
             <a:fld id="{8475586A-0788-4CE9-8C7E-ECF7F411605D}" type="datetimeFigureOut">
               <a:rPr lang="ko-KR" altLang="en-US" smtClean="0"/>
-              <a:t>2017-10-13</a:t>
+              <a:t>2017-10-16</a:t>
             </a:fld>
             <a:endParaRPr lang="ko-KR" altLang="en-US"/>
           </a:p>
@@ -2614,7 +2619,7 @@
           <a:p>
             <a:fld id="{8475586A-0788-4CE9-8C7E-ECF7F411605D}" type="datetimeFigureOut">
               <a:rPr lang="ko-KR" altLang="en-US" smtClean="0"/>
-              <a:t>2017-10-13</a:t>
+              <a:t>2017-10-16</a:t>
             </a:fld>
             <a:endParaRPr lang="ko-KR" altLang="en-US"/>
           </a:p>
@@ -2709,7 +2714,7 @@
           <a:p>
             <a:fld id="{8475586A-0788-4CE9-8C7E-ECF7F411605D}" type="datetimeFigureOut">
               <a:rPr lang="ko-KR" altLang="en-US" smtClean="0"/>
-              <a:t>2017-10-13</a:t>
+              <a:t>2017-10-16</a:t>
             </a:fld>
             <a:endParaRPr lang="ko-KR" altLang="en-US"/>
           </a:p>
@@ -2984,7 +2989,7 @@
           <a:p>
             <a:fld id="{8475586A-0788-4CE9-8C7E-ECF7F411605D}" type="datetimeFigureOut">
               <a:rPr lang="ko-KR" altLang="en-US" smtClean="0"/>
-              <a:t>2017-10-13</a:t>
+              <a:t>2017-10-16</a:t>
             </a:fld>
             <a:endParaRPr lang="ko-KR" altLang="en-US"/>
           </a:p>
@@ -3236,7 +3241,7 @@
           <a:p>
             <a:fld id="{8475586A-0788-4CE9-8C7E-ECF7F411605D}" type="datetimeFigureOut">
               <a:rPr lang="ko-KR" altLang="en-US" smtClean="0"/>
-              <a:t>2017-10-13</a:t>
+              <a:t>2017-10-16</a:t>
             </a:fld>
             <a:endParaRPr lang="ko-KR" altLang="en-US"/>
           </a:p>
@@ -3452,7 +3457,7 @@
           <a:p>
             <a:fld id="{8475586A-0788-4CE9-8C7E-ECF7F411605D}" type="datetimeFigureOut">
               <a:rPr lang="ko-KR" altLang="en-US" smtClean="0"/>
-              <a:t>2017-10-13</a:t>
+              <a:t>2017-10-16</a:t>
             </a:fld>
             <a:endParaRPr lang="ko-KR" altLang="en-US"/>
           </a:p>
@@ -3884,7 +3889,7 @@
           <a:p>
             <a:pPr algn="ctr"/>
             <a:endParaRPr lang="ko-KR" altLang="en-US" sz="1488" dirty="0">
-              <a:latin typeface="210 청춘시대 R" panose="02020603020101020101" pitchFamily="18" charset="-127"/>
+              <a:latin typeface="Franklin Gothic Heavy" panose="020B0903020102020204" pitchFamily="34" charset="0"/>
               <a:ea typeface="210 청춘시대 R" panose="02020603020101020101" pitchFamily="18" charset="-127"/>
             </a:endParaRPr>
           </a:p>
@@ -3958,7 +3963,9 @@
           <a:lstStyle/>
           <a:p>
             <a:pPr algn="ctr"/>
-            <a:endParaRPr lang="ko-KR" altLang="en-US" dirty="0"/>
+            <a:endParaRPr lang="ko-KR" altLang="en-US" dirty="0">
+              <a:latin typeface="Franklin Gothic Heavy" panose="020B0903020102020204" pitchFamily="34" charset="0"/>
+            </a:endParaRPr>
           </a:p>
         </p:txBody>
       </p:sp>
@@ -3987,7 +3994,7 @@
             <a:pPr algn="ctr"/>
             <a:r>
               <a:rPr lang="ko-KR" altLang="en-US" sz="4400" b="1" dirty="0">
-                <a:latin typeface="a가을소풍B" panose="02020600000000000000" pitchFamily="18" charset="-127"/>
+                <a:latin typeface="Franklin Gothic Heavy" panose="020B0903020102020204" pitchFamily="34" charset="0"/>
                 <a:ea typeface="a가을소풍B" panose="02020600000000000000" pitchFamily="18" charset="-127"/>
               </a:rPr>
               <a:t>이제는</a:t>
@@ -4000,7 +4007,7 @@
                     <a:lumOff val="25000"/>
                   </a:schemeClr>
                 </a:solidFill>
-                <a:latin typeface="a가을소풍B" panose="02020600000000000000" pitchFamily="18" charset="-127"/>
+                <a:latin typeface="Franklin Gothic Heavy" panose="020B0903020102020204" pitchFamily="34" charset="0"/>
                 <a:ea typeface="a가을소풍B" panose="02020600000000000000" pitchFamily="18" charset="-127"/>
               </a:rPr>
               <a:t> </a:t>
@@ -4010,7 +4017,7 @@
                 <a:solidFill>
                   <a:srgbClr val="FFC000"/>
                 </a:solidFill>
-                <a:latin typeface="a가을소풍B" panose="02020600000000000000" pitchFamily="18" charset="-127"/>
+                <a:latin typeface="Franklin Gothic Heavy" panose="020B0903020102020204" pitchFamily="34" charset="0"/>
                 <a:ea typeface="a가을소풍B" panose="02020600000000000000" pitchFamily="18" charset="-127"/>
               </a:rPr>
               <a:t>Solo Economy</a:t>
@@ -4064,7 +4071,7 @@
           <a:p>
             <a:pPr algn="ctr"/>
             <a:endParaRPr lang="ko-KR" altLang="en-US" sz="1488">
-              <a:latin typeface="210 청춘시대 R" panose="02020603020101020101" pitchFamily="18" charset="-127"/>
+              <a:latin typeface="Franklin Gothic Heavy" panose="020B0903020102020204" pitchFamily="34" charset="0"/>
               <a:ea typeface="210 청춘시대 R" panose="02020603020101020101" pitchFamily="18" charset="-127"/>
             </a:endParaRPr>
           </a:p>
@@ -4153,7 +4160,7 @@
                     <a:lumOff val="25000"/>
                   </a:schemeClr>
                 </a:solidFill>
-                <a:latin typeface="a가을소풍B" panose="02020600000000000000" pitchFamily="18" charset="-127"/>
+                <a:latin typeface="Franklin Gothic Heavy" panose="020B0903020102020204" pitchFamily="34" charset="0"/>
                 <a:ea typeface="a가을소풍B" panose="02020600000000000000" pitchFamily="18" charset="-127"/>
               </a:rPr>
               <a:t>동아비즈니스리뷰 </a:t>
@@ -4166,7 +4173,7 @@
                     <a:lumOff val="25000"/>
                   </a:schemeClr>
                 </a:solidFill>
-                <a:latin typeface="a가을소풍B" panose="02020600000000000000" pitchFamily="18" charset="-127"/>
+                <a:latin typeface="Franklin Gothic Heavy" panose="020B0903020102020204" pitchFamily="34" charset="0"/>
                 <a:ea typeface="a가을소풍B" panose="02020600000000000000" pitchFamily="18" charset="-127"/>
               </a:rPr>
               <a:t>2017</a:t>
@@ -4179,7 +4186,7 @@
                     <a:lumOff val="25000"/>
                   </a:schemeClr>
                 </a:solidFill>
-                <a:latin typeface="a가을소풍B" panose="02020600000000000000" pitchFamily="18" charset="-127"/>
+                <a:latin typeface="Franklin Gothic Heavy" panose="020B0903020102020204" pitchFamily="34" charset="0"/>
                 <a:ea typeface="a가을소풍B" panose="02020600000000000000" pitchFamily="18" charset="-127"/>
               </a:rPr>
               <a:t>년 </a:t>
@@ -4192,7 +4199,7 @@
                     <a:lumOff val="25000"/>
                   </a:schemeClr>
                 </a:solidFill>
-                <a:latin typeface="a가을소풍B" panose="02020600000000000000" pitchFamily="18" charset="-127"/>
+                <a:latin typeface="Franklin Gothic Heavy" panose="020B0903020102020204" pitchFamily="34" charset="0"/>
                 <a:ea typeface="a가을소풍B" panose="02020600000000000000" pitchFamily="18" charset="-127"/>
               </a:rPr>
               <a:t>7</a:t>
@@ -4205,7 +4212,7 @@
                     <a:lumOff val="25000"/>
                   </a:schemeClr>
                 </a:solidFill>
-                <a:latin typeface="a가을소풍B" panose="02020600000000000000" pitchFamily="18" charset="-127"/>
+                <a:latin typeface="Franklin Gothic Heavy" panose="020B0903020102020204" pitchFamily="34" charset="0"/>
                 <a:ea typeface="a가을소풍B" panose="02020600000000000000" pitchFamily="18" charset="-127"/>
               </a:rPr>
               <a:t>월 </a:t>
@@ -4218,7 +4225,7 @@
                     <a:lumOff val="25000"/>
                   </a:schemeClr>
                 </a:solidFill>
-                <a:latin typeface="a가을소풍B" panose="02020600000000000000" pitchFamily="18" charset="-127"/>
+                <a:latin typeface="Franklin Gothic Heavy" panose="020B0903020102020204" pitchFamily="34" charset="0"/>
                 <a:ea typeface="a가을소풍B" panose="02020600000000000000" pitchFamily="18" charset="-127"/>
               </a:rPr>
               <a:t>issue - Case study</a:t>
@@ -4234,7 +4241,7 @@
                     <a:lumOff val="25000"/>
                   </a:schemeClr>
                 </a:solidFill>
-                <a:latin typeface="a가을소풍B" panose="02020600000000000000" pitchFamily="18" charset="-127"/>
+                <a:latin typeface="Franklin Gothic Heavy" panose="020B0903020102020204" pitchFamily="34" charset="0"/>
                 <a:ea typeface="a가을소풍B" panose="02020600000000000000" pitchFamily="18" charset="-127"/>
               </a:rPr>
               <a:t>201421375 </a:t>
@@ -4247,7 +4254,7 @@
                     <a:lumOff val="25000"/>
                   </a:schemeClr>
                 </a:solidFill>
-                <a:latin typeface="a가을소풍B" panose="02020600000000000000" pitchFamily="18" charset="-127"/>
+                <a:latin typeface="Franklin Gothic Heavy" panose="020B0903020102020204" pitchFamily="34" charset="0"/>
                 <a:ea typeface="a가을소풍B" panose="02020600000000000000" pitchFamily="18" charset="-127"/>
               </a:rPr>
               <a:t>강지천</a:t>
@@ -4260,7 +4267,7 @@
                     <a:lumOff val="25000"/>
                   </a:schemeClr>
                 </a:solidFill>
-                <a:latin typeface="a가을소풍B" panose="02020600000000000000" pitchFamily="18" charset="-127"/>
+                <a:latin typeface="Franklin Gothic Heavy" panose="020B0903020102020204" pitchFamily="34" charset="0"/>
                 <a:ea typeface="a가을소풍B" panose="02020600000000000000" pitchFamily="18" charset="-127"/>
               </a:rPr>
               <a:t>(</a:t>
@@ -4273,7 +4280,7 @@
                     <a:lumOff val="25000"/>
                   </a:schemeClr>
                 </a:solidFill>
-                <a:latin typeface="a가을소풍B" panose="02020600000000000000" pitchFamily="18" charset="-127"/>
+                <a:latin typeface="Franklin Gothic Heavy" panose="020B0903020102020204" pitchFamily="34" charset="0"/>
                 <a:ea typeface="a가을소풍B" panose="02020600000000000000" pitchFamily="18" charset="-127"/>
               </a:rPr>
               <a:t>경영</a:t>
@@ -4286,7 +4293,7 @@
                     <a:lumOff val="25000"/>
                   </a:schemeClr>
                 </a:solidFill>
-                <a:latin typeface="a가을소풍B" panose="02020600000000000000" pitchFamily="18" charset="-127"/>
+                <a:latin typeface="Franklin Gothic Heavy" panose="020B0903020102020204" pitchFamily="34" charset="0"/>
                 <a:ea typeface="a가을소풍B" panose="02020600000000000000" pitchFamily="18" charset="-127"/>
               </a:rPr>
               <a:t>)</a:t>
@@ -4329,6 +4336,7 @@
                     <a:lumOff val="35000"/>
                   </a:schemeClr>
                 </a:solidFill>
+                <a:latin typeface="Franklin Gothic Heavy" panose="020B0903020102020204" pitchFamily="34" charset="0"/>
                 <a:ea typeface="210 청춘시대 R" panose="02020603020101020101" pitchFamily="18" charset="-127"/>
               </a:rPr>
               <a:t>강지천뉴</a:t>
@@ -4338,6 +4346,7 @@
                 <a:solidFill>
                   <a:schemeClr val="bg1"/>
                 </a:solidFill>
+                <a:latin typeface="Franklin Gothic Heavy" panose="020B0903020102020204" pitchFamily="34" charset="0"/>
                 <a:ea typeface="210 청춘시대 R" panose="02020603020101020101" pitchFamily="18" charset="-127"/>
               </a:rPr>
               <a:t>스</a:t>
@@ -4346,6 +4355,7 @@
               <a:solidFill>
                 <a:schemeClr val="bg1"/>
               </a:solidFill>
+              <a:latin typeface="Franklin Gothic Heavy" panose="020B0903020102020204" pitchFamily="34" charset="0"/>
             </a:endParaRPr>
           </a:p>
         </p:txBody>
@@ -4387,7 +4397,7 @@
                     <a:lumOff val="25000"/>
                   </a:schemeClr>
                 </a:solidFill>
-                <a:latin typeface="a가을소풍B" panose="02020600000000000000" pitchFamily="18" charset="-127"/>
+                <a:latin typeface="Franklin Gothic Heavy" panose="020B0903020102020204" pitchFamily="34" charset="0"/>
                 <a:ea typeface="a가을소풍B" panose="02020600000000000000" pitchFamily="18" charset="-127"/>
               </a:rPr>
               <a:t>시장의 </a:t>
@@ -4397,7 +4407,7 @@
                 <a:solidFill>
                   <a:srgbClr val="FFC000"/>
                 </a:solidFill>
-                <a:latin typeface="a가을소풍B" panose="02020600000000000000" pitchFamily="18" charset="-127"/>
+                <a:latin typeface="Franklin Gothic Heavy" panose="020B0903020102020204" pitchFamily="34" charset="0"/>
                 <a:ea typeface="a가을소풍B" panose="02020600000000000000" pitchFamily="18" charset="-127"/>
               </a:rPr>
               <a:t>판도</a:t>
@@ -4410,7 +4420,7 @@
                     <a:lumOff val="25000"/>
                   </a:schemeClr>
                 </a:solidFill>
-                <a:latin typeface="a가을소풍B" panose="02020600000000000000" pitchFamily="18" charset="-127"/>
+                <a:latin typeface="Franklin Gothic Heavy" panose="020B0903020102020204" pitchFamily="34" charset="0"/>
                 <a:ea typeface="a가을소풍B" panose="02020600000000000000" pitchFamily="18" charset="-127"/>
               </a:rPr>
               <a:t>는 이미 바뀌었다</a:t>
@@ -4423,7 +4433,7 @@
                     <a:lumOff val="25000"/>
                   </a:schemeClr>
                 </a:solidFill>
-                <a:latin typeface="a가을소풍B" panose="02020600000000000000" pitchFamily="18" charset="-127"/>
+                <a:latin typeface="Franklin Gothic Heavy" panose="020B0903020102020204" pitchFamily="34" charset="0"/>
                 <a:ea typeface="a가을소풍B" panose="02020600000000000000" pitchFamily="18" charset="-127"/>
               </a:rPr>
               <a:t>.</a:t>
@@ -4479,7 +4489,9 @@
           <a:lstStyle/>
           <a:p>
             <a:pPr algn="ctr"/>
-            <a:endParaRPr lang="ko-KR" altLang="en-US" dirty="0"/>
+            <a:endParaRPr lang="ko-KR" altLang="en-US" dirty="0">
+              <a:latin typeface="Franklin Gothic Heavy" panose="020B0903020102020204" pitchFamily="34" charset="0"/>
+            </a:endParaRPr>
           </a:p>
         </p:txBody>
       </p:sp>
@@ -4575,7 +4587,9 @@
           <a:lstStyle/>
           <a:p>
             <a:pPr algn="ctr"/>
-            <a:endParaRPr lang="ko-KR" altLang="en-US" dirty="0"/>
+            <a:endParaRPr lang="ko-KR" altLang="en-US" dirty="0">
+              <a:latin typeface="Franklin Gothic Heavy" panose="020B0903020102020204" pitchFamily="34" charset="0"/>
+            </a:endParaRPr>
           </a:p>
         </p:txBody>
       </p:sp>
@@ -4721,7 +4735,9 @@
           <a:lstStyle/>
           <a:p>
             <a:pPr algn="ctr"/>
-            <a:endParaRPr lang="ko-KR" altLang="en-US"/>
+            <a:endParaRPr lang="ko-KR" altLang="en-US">
+              <a:latin typeface="Franklin Gothic Heavy" panose="020B0903020102020204" pitchFamily="34" charset="0"/>
+            </a:endParaRPr>
           </a:p>
         </p:txBody>
       </p:sp>
@@ -4778,7 +4794,7 @@
           <a:p>
             <a:pPr algn="ctr"/>
             <a:endParaRPr lang="ko-KR" altLang="en-US" sz="4465" b="1" dirty="0">
-              <a:latin typeface="210 청춘시대 R" panose="02020603020101020101" pitchFamily="18" charset="-127"/>
+              <a:latin typeface="Franklin Gothic Heavy" panose="020B0903020102020204" pitchFamily="34" charset="0"/>
               <a:ea typeface="210 청춘시대 R" panose="02020603020101020101" pitchFamily="18" charset="-127"/>
             </a:endParaRPr>
           </a:p>
@@ -4816,6 +4832,7 @@
                 <a:solidFill>
                   <a:srgbClr val="FFC000"/>
                 </a:solidFill>
+                <a:latin typeface="Franklin Gothic Heavy" panose="020B0903020102020204" pitchFamily="34" charset="0"/>
                 <a:ea typeface="210 청춘시대 R" panose="02020603020101020101" pitchFamily="18" charset="-127"/>
               </a:rPr>
               <a:t>강지천뉴</a:t>
@@ -4825,6 +4842,7 @@
                 <a:solidFill>
                   <a:schemeClr val="bg1"/>
                 </a:solidFill>
+                <a:latin typeface="Franklin Gothic Heavy" panose="020B0903020102020204" pitchFamily="34" charset="0"/>
                 <a:ea typeface="210 청춘시대 R" panose="02020603020101020101" pitchFamily="18" charset="-127"/>
               </a:rPr>
               <a:t>스</a:t>
@@ -4833,6 +4851,7 @@
               <a:solidFill>
                 <a:schemeClr val="bg1"/>
               </a:solidFill>
+              <a:latin typeface="Franklin Gothic Heavy" panose="020B0903020102020204" pitchFamily="34" charset="0"/>
             </a:endParaRPr>
           </a:p>
         </p:txBody>
@@ -4871,7 +4890,7 @@
                 <a:solidFill>
                   <a:schemeClr val="bg1"/>
                 </a:solidFill>
-                <a:latin typeface="a가을소풍M" panose="02020600000000000000" pitchFamily="18" charset="-127"/>
+                <a:latin typeface="Franklin Gothic Heavy" panose="020B0903020102020204" pitchFamily="34" charset="0"/>
                 <a:ea typeface="a가을소풍M" panose="02020600000000000000" pitchFamily="18" charset="-127"/>
               </a:rPr>
               <a:t>혼자 사는 삶에 대한 관심이 이렇게 높아진 것은 인류 역사상 </a:t>
@@ -4881,7 +4900,7 @@
                 <a:solidFill>
                   <a:srgbClr val="FFC000"/>
                 </a:solidFill>
-                <a:latin typeface="a가을소풍M" panose="02020600000000000000" pitchFamily="18" charset="-127"/>
+                <a:latin typeface="Franklin Gothic Heavy" panose="020B0903020102020204" pitchFamily="34" charset="0"/>
                 <a:ea typeface="a가을소풍M" panose="02020600000000000000" pitchFamily="18" charset="-127"/>
               </a:rPr>
               <a:t>‘</a:t>
@@ -4891,7 +4910,7 @@
                 <a:solidFill>
                   <a:srgbClr val="FFC000"/>
                 </a:solidFill>
-                <a:latin typeface="a가을소풍M" panose="02020600000000000000" pitchFamily="18" charset="-127"/>
+                <a:latin typeface="Franklin Gothic Heavy" panose="020B0903020102020204" pitchFamily="34" charset="0"/>
                 <a:ea typeface="a가을소풍M" panose="02020600000000000000" pitchFamily="18" charset="-127"/>
               </a:rPr>
               <a:t>처음</a:t>
@@ -4901,7 +4920,7 @@
                 <a:solidFill>
                   <a:srgbClr val="FFC000"/>
                 </a:solidFill>
-                <a:latin typeface="a가을소풍M" panose="02020600000000000000" pitchFamily="18" charset="-127"/>
+                <a:latin typeface="Franklin Gothic Heavy" panose="020B0903020102020204" pitchFamily="34" charset="0"/>
                 <a:ea typeface="a가을소풍M" panose="02020600000000000000" pitchFamily="18" charset="-127"/>
               </a:rPr>
               <a:t>’</a:t>
@@ -4910,7 +4929,7 @@
               <a:solidFill>
                 <a:srgbClr val="FFC000"/>
               </a:solidFill>
-              <a:latin typeface="a가을소풍M" panose="02020600000000000000" pitchFamily="18" charset="-127"/>
+              <a:latin typeface="Franklin Gothic Heavy" panose="020B0903020102020204" pitchFamily="34" charset="0"/>
               <a:ea typeface="a가을소풍M" panose="02020600000000000000" pitchFamily="18" charset="-127"/>
             </a:endParaRPr>
           </a:p>
@@ -4964,7 +4983,9 @@
           <a:lstStyle/>
           <a:p>
             <a:pPr algn="ctr"/>
-            <a:endParaRPr lang="ko-KR" altLang="en-US" dirty="0"/>
+            <a:endParaRPr lang="ko-KR" altLang="en-US" dirty="0">
+              <a:latin typeface="Franklin Gothic Heavy" panose="020B0903020102020204" pitchFamily="34" charset="0"/>
+            </a:endParaRPr>
           </a:p>
         </p:txBody>
       </p:sp>
@@ -4977,7 +4998,7 @@
         <p:spPr>
           <a:xfrm>
             <a:off x="1420922" y="3799664"/>
-            <a:ext cx="5194371" cy="646331"/>
+            <a:ext cx="4930324" cy="646331"/>
           </a:xfrm>
           <a:prstGeom prst="rect">
             <a:avLst/>
@@ -4995,7 +5016,7 @@
                 <a:solidFill>
                   <a:schemeClr val="bg1"/>
                 </a:solidFill>
-                <a:latin typeface="210 청춘시대 R" panose="02020603020101020101" pitchFamily="18" charset="-127"/>
+                <a:latin typeface="Franklin Gothic Heavy" panose="020B0903020102020204" pitchFamily="34" charset="0"/>
                 <a:ea typeface="210 청춘시대 R" panose="02020603020101020101" pitchFamily="18" charset="-127"/>
               </a:rPr>
               <a:t> </a:t>
@@ -5005,7 +5026,7 @@
                 <a:solidFill>
                   <a:srgbClr val="FFC000"/>
                 </a:solidFill>
-                <a:latin typeface="210 청춘시대 R" panose="02020603020101020101" pitchFamily="18" charset="-127"/>
+                <a:latin typeface="Franklin Gothic Heavy" panose="020B0903020102020204" pitchFamily="34" charset="0"/>
                 <a:ea typeface="210 청춘시대 R" panose="02020603020101020101" pitchFamily="18" charset="-127"/>
               </a:rPr>
               <a:t>SOLO</a:t>
@@ -5015,7 +5036,7 @@
                 <a:solidFill>
                   <a:schemeClr val="bg1"/>
                 </a:solidFill>
-                <a:latin typeface="210 청춘시대 R" panose="02020603020101020101" pitchFamily="18" charset="-127"/>
+                <a:latin typeface="Franklin Gothic Heavy" panose="020B0903020102020204" pitchFamily="34" charset="0"/>
                 <a:ea typeface="210 청춘시대 R" panose="02020603020101020101" pitchFamily="18" charset="-127"/>
               </a:rPr>
               <a:t> ECONOMY</a:t>
@@ -5025,7 +5046,7 @@
                 <a:solidFill>
                   <a:schemeClr val="bg1"/>
                 </a:solidFill>
-                <a:latin typeface="210 청춘시대 R" panose="02020603020101020101" pitchFamily="18" charset="-127"/>
+                <a:latin typeface="Franklin Gothic Heavy" panose="020B0903020102020204" pitchFamily="34" charset="0"/>
                 <a:ea typeface="210 청춘시대 R" panose="02020603020101020101" pitchFamily="18" charset="-127"/>
               </a:rPr>
               <a:t>란</a:t>
@@ -5035,7 +5056,7 @@
                 <a:solidFill>
                   <a:schemeClr val="bg1"/>
                 </a:solidFill>
-                <a:latin typeface="210 청춘시대 R" panose="02020603020101020101" pitchFamily="18" charset="-127"/>
+                <a:latin typeface="Franklin Gothic Heavy" panose="020B0903020102020204" pitchFamily="34" charset="0"/>
                 <a:ea typeface="210 청춘시대 R" panose="02020603020101020101" pitchFamily="18" charset="-127"/>
               </a:rPr>
               <a:t>?</a:t>
@@ -5045,7 +5066,7 @@
                 <a:solidFill>
                   <a:schemeClr val="bg1"/>
                 </a:solidFill>
-                <a:latin typeface="210 청춘시대 R" panose="02020603020101020101" pitchFamily="18" charset="-127"/>
+                <a:latin typeface="Franklin Gothic Heavy" panose="020B0903020102020204" pitchFamily="34" charset="0"/>
                 <a:ea typeface="210 청춘시대 R" panose="02020603020101020101" pitchFamily="18" charset="-127"/>
               </a:rPr>
               <a:t>　</a:t>
@@ -5054,7 +5075,7 @@
               <a:solidFill>
                 <a:schemeClr val="bg1"/>
               </a:solidFill>
-              <a:latin typeface="210 청춘시대 R" panose="02020603020101020101" pitchFamily="18" charset="-127"/>
+              <a:latin typeface="Franklin Gothic Heavy" panose="020B0903020102020204" pitchFamily="34" charset="0"/>
               <a:ea typeface="210 청춘시대 R" panose="02020603020101020101" pitchFamily="18" charset="-127"/>
             </a:endParaRPr>
           </a:p>
@@ -5094,7 +5115,7 @@
                 <a:solidFill>
                   <a:schemeClr val="bg1"/>
                 </a:solidFill>
-                <a:latin typeface="a가을소풍M" panose="02020600000000000000" pitchFamily="18" charset="-127"/>
+                <a:latin typeface="Franklin Gothic Heavy" panose="020B0903020102020204" pitchFamily="34" charset="0"/>
                 <a:ea typeface="a가을소풍M" panose="02020600000000000000" pitchFamily="18" charset="-127"/>
               </a:rPr>
               <a:t>쉽게 말해 기업들이 </a:t>
@@ -5104,7 +5125,7 @@
                 <a:solidFill>
                   <a:schemeClr val="bg1"/>
                 </a:solidFill>
-                <a:latin typeface="a가을소풍M" panose="02020600000000000000" pitchFamily="18" charset="-127"/>
+                <a:latin typeface="Franklin Gothic Heavy" panose="020B0903020102020204" pitchFamily="34" charset="0"/>
                 <a:ea typeface="a가을소풍M" panose="02020600000000000000" pitchFamily="18" charset="-127"/>
               </a:rPr>
               <a:t>1</a:t>
@@ -5114,7 +5135,7 @@
                 <a:solidFill>
                   <a:schemeClr val="bg1"/>
                 </a:solidFill>
-                <a:latin typeface="a가을소풍M" panose="02020600000000000000" pitchFamily="18" charset="-127"/>
+                <a:latin typeface="Franklin Gothic Heavy" panose="020B0903020102020204" pitchFamily="34" charset="0"/>
                 <a:ea typeface="a가을소풍M" panose="02020600000000000000" pitchFamily="18" charset="-127"/>
               </a:rPr>
               <a:t>인가구를 겨냥한 제품이나 서비스를 개발해 판매하는 현상이다</a:t>
@@ -5124,7 +5145,7 @@
                 <a:solidFill>
                   <a:schemeClr val="bg1"/>
                 </a:solidFill>
-                <a:latin typeface="a가을소풍M" panose="02020600000000000000" pitchFamily="18" charset="-127"/>
+                <a:latin typeface="Franklin Gothic Heavy" panose="020B0903020102020204" pitchFamily="34" charset="0"/>
                 <a:ea typeface="a가을소풍M" panose="02020600000000000000" pitchFamily="18" charset="-127"/>
               </a:rPr>
               <a:t>.</a:t>
@@ -5133,7 +5154,7 @@
               <a:solidFill>
                 <a:schemeClr val="bg1"/>
               </a:solidFill>
-              <a:latin typeface="a가을소풍M" panose="02020600000000000000" pitchFamily="18" charset="-127"/>
+              <a:latin typeface="Franklin Gothic Heavy" panose="020B0903020102020204" pitchFamily="34" charset="0"/>
               <a:ea typeface="a가을소풍M" panose="02020600000000000000" pitchFamily="18" charset="-127"/>
             </a:endParaRPr>
           </a:p>
@@ -5290,7 +5311,7 @@
           <a:p>
             <a:pPr algn="ctr"/>
             <a:endParaRPr lang="ko-KR" altLang="en-US" sz="4465" b="1" dirty="0">
-              <a:latin typeface="210 청춘시대 R" panose="02020603020101020101" pitchFamily="18" charset="-127"/>
+              <a:latin typeface="Franklin Gothic Heavy" panose="020B0903020102020204" pitchFamily="34" charset="0"/>
               <a:ea typeface="210 청춘시대 R" panose="02020603020101020101" pitchFamily="18" charset="-127"/>
             </a:endParaRPr>
           </a:p>
@@ -5330,20 +5351,20 @@
                 <a:solidFill>
                   <a:srgbClr val="FF0000"/>
                 </a:solidFill>
-                <a:latin typeface="a가을소풍M" panose="02020600000000000000" pitchFamily="18" charset="-127"/>
+                <a:latin typeface="Franklin Gothic Heavy" panose="020B0903020102020204" pitchFamily="34" charset="0"/>
                 <a:ea typeface="a가을소풍M" panose="02020600000000000000" pitchFamily="18" charset="-127"/>
               </a:rPr>
               <a:t>전 세계에서 </a:t>
             </a:r>
             <a:r>
               <a:rPr lang="ko-KR" altLang="en-US" sz="3200" b="1" dirty="0">
-                <a:latin typeface="a가을소풍M" panose="02020600000000000000" pitchFamily="18" charset="-127"/>
+                <a:latin typeface="Franklin Gothic Heavy" panose="020B0903020102020204" pitchFamily="34" charset="0"/>
                 <a:ea typeface="a가을소풍M" panose="02020600000000000000" pitchFamily="18" charset="-127"/>
               </a:rPr>
               <a:t>가장 빠른 성장 수준으로</a:t>
             </a:r>
             <a:endParaRPr lang="en-US" altLang="ko-KR" sz="3200" b="1" dirty="0">
-              <a:latin typeface="a가을소풍M" panose="02020600000000000000" pitchFamily="18" charset="-127"/>
+              <a:latin typeface="Franklin Gothic Heavy" panose="020B0903020102020204" pitchFamily="34" charset="0"/>
               <a:ea typeface="a가을소풍M" panose="02020600000000000000" pitchFamily="18" charset="-127"/>
             </a:endParaRPr>
           </a:p>
@@ -5401,6 +5422,7 @@
               <a:solidFill>
                 <a:srgbClr val="FF0000"/>
               </a:solidFill>
+              <a:latin typeface="Franklin Gothic Heavy" panose="020B0903020102020204" pitchFamily="34" charset="0"/>
             </a:endParaRPr>
           </a:p>
         </p:txBody>
@@ -5437,6 +5459,7 @@
                 <a:solidFill>
                   <a:srgbClr val="FF0000"/>
                 </a:solidFill>
+                <a:latin typeface="Franklin Gothic Heavy" panose="020B0903020102020204" pitchFamily="34" charset="0"/>
                 <a:ea typeface="210 청춘시대 R" panose="02020603020101020101" pitchFamily="18" charset="-127"/>
               </a:rPr>
               <a:t>강지천뉴</a:t>
@@ -5446,6 +5469,7 @@
                 <a:solidFill>
                   <a:schemeClr val="bg1"/>
                 </a:solidFill>
+                <a:latin typeface="Franklin Gothic Heavy" panose="020B0903020102020204" pitchFamily="34" charset="0"/>
                 <a:ea typeface="210 청춘시대 R" panose="02020603020101020101" pitchFamily="18" charset="-127"/>
               </a:rPr>
               <a:t>스</a:t>
@@ -5454,6 +5478,7 @@
               <a:solidFill>
                 <a:schemeClr val="bg1"/>
               </a:solidFill>
+              <a:latin typeface="Franklin Gothic Heavy" panose="020B0903020102020204" pitchFamily="34" charset="0"/>
             </a:endParaRPr>
           </a:p>
         </p:txBody>
@@ -5510,7 +5535,7 @@
           <a:p>
             <a:pPr algn="ctr"/>
             <a:endParaRPr lang="ko-KR" altLang="en-US" sz="1488">
-              <a:latin typeface="210 청춘시대 R" panose="02020603020101020101" pitchFamily="18" charset="-127"/>
+              <a:latin typeface="Franklin Gothic Heavy" panose="020B0903020102020204" pitchFamily="34" charset="0"/>
               <a:ea typeface="210 청춘시대 R" panose="02020603020101020101" pitchFamily="18" charset="-127"/>
             </a:endParaRPr>
           </a:p>
@@ -5567,7 +5592,7 @@
           <a:p>
             <a:pPr algn="ctr"/>
             <a:endParaRPr lang="ko-KR" altLang="en-US" sz="1488">
-              <a:latin typeface="210 청춘시대 R" panose="02020603020101020101" pitchFamily="18" charset="-127"/>
+              <a:latin typeface="Franklin Gothic Heavy" panose="020B0903020102020204" pitchFamily="34" charset="0"/>
               <a:ea typeface="210 청춘시대 R" panose="02020603020101020101" pitchFamily="18" charset="-127"/>
             </a:endParaRPr>
           </a:p>
@@ -5851,7 +5876,7 @@
           <a:p>
             <a:pPr algn="ctr"/>
             <a:endParaRPr lang="ko-KR" altLang="en-US" sz="1488">
-              <a:latin typeface="210 청춘시대 R" panose="02020603020101020101" pitchFamily="18" charset="-127"/>
+              <a:latin typeface="Franklin Gothic Heavy" panose="020B0903020102020204" pitchFamily="34" charset="0"/>
               <a:ea typeface="210 청춘시대 R" panose="02020603020101020101" pitchFamily="18" charset="-127"/>
             </a:endParaRPr>
           </a:p>
@@ -5892,7 +5917,7 @@
                     <a:lumMod val="50000"/>
                   </a:schemeClr>
                 </a:solidFill>
-                <a:latin typeface="210 청춘시대 R" panose="02020603020101020101" pitchFamily="18" charset="-127"/>
+                <a:latin typeface="Franklin Gothic Heavy" panose="020B0903020102020204" pitchFamily="34" charset="0"/>
                 <a:ea typeface="210 청춘시대 R" panose="02020603020101020101" pitchFamily="18" charset="-127"/>
               </a:rPr>
               <a:t>1995</a:t>
@@ -5903,7 +5928,7 @@
                   <a:lumMod val="50000"/>
                 </a:schemeClr>
               </a:solidFill>
-              <a:latin typeface="210 청춘시대 R" panose="02020603020101020101" pitchFamily="18" charset="-127"/>
+              <a:latin typeface="Franklin Gothic Heavy" panose="020B0903020102020204" pitchFamily="34" charset="0"/>
               <a:ea typeface="210 청춘시대 R" panose="02020603020101020101" pitchFamily="18" charset="-127"/>
             </a:endParaRPr>
           </a:p>
@@ -5944,20 +5969,20 @@
                     <a:lumMod val="50000"/>
                   </a:schemeClr>
                 </a:solidFill>
-                <a:latin typeface="210 청춘시대 R" panose="02020603020101020101" pitchFamily="18" charset="-127"/>
+                <a:latin typeface="Franklin Gothic Heavy" panose="020B0903020102020204" pitchFamily="34" charset="0"/>
                 <a:ea typeface="210 청춘시대 R" panose="02020603020101020101" pitchFamily="18" charset="-127"/>
               </a:rPr>
               <a:t>2000</a:t>
             </a:r>
             <a:r>
               <a:rPr lang="en-US" altLang="ko-KR" sz="1488" dirty="0">
-                <a:latin typeface="210 청춘시대 R" panose="02020603020101020101" pitchFamily="18" charset="-127"/>
+                <a:latin typeface="Franklin Gothic Heavy" panose="020B0903020102020204" pitchFamily="34" charset="0"/>
                 <a:ea typeface="210 청춘시대 R" panose="02020603020101020101" pitchFamily="18" charset="-127"/>
               </a:rPr>
               <a:t>	</a:t>
             </a:r>
             <a:endParaRPr lang="ko-KR" altLang="en-US" sz="1488" dirty="0">
-              <a:latin typeface="210 청춘시대 R" panose="02020603020101020101" pitchFamily="18" charset="-127"/>
+              <a:latin typeface="Franklin Gothic Heavy" panose="020B0903020102020204" pitchFamily="34" charset="0"/>
               <a:ea typeface="210 청춘시대 R" panose="02020603020101020101" pitchFamily="18" charset="-127"/>
             </a:endParaRPr>
           </a:p>
@@ -5998,7 +6023,7 @@
                     <a:lumMod val="50000"/>
                   </a:schemeClr>
                 </a:solidFill>
-                <a:latin typeface="210 청춘시대 R" panose="02020603020101020101" pitchFamily="18" charset="-127"/>
+                <a:latin typeface="Franklin Gothic Heavy" panose="020B0903020102020204" pitchFamily="34" charset="0"/>
                 <a:ea typeface="210 청춘시대 R" panose="02020603020101020101" pitchFamily="18" charset="-127"/>
               </a:rPr>
               <a:t>2005</a:t>
@@ -6009,7 +6034,7 @@
                   <a:lumMod val="50000"/>
                 </a:schemeClr>
               </a:solidFill>
-              <a:latin typeface="210 청춘시대 R" panose="02020603020101020101" pitchFamily="18" charset="-127"/>
+              <a:latin typeface="Franklin Gothic Heavy" panose="020B0903020102020204" pitchFamily="34" charset="0"/>
               <a:ea typeface="210 청춘시대 R" panose="02020603020101020101" pitchFamily="18" charset="-127"/>
             </a:endParaRPr>
           </a:p>
@@ -6050,7 +6075,7 @@
                     <a:lumMod val="50000"/>
                   </a:schemeClr>
                 </a:solidFill>
-                <a:latin typeface="210 청춘시대 R" panose="02020603020101020101" pitchFamily="18" charset="-127"/>
+                <a:latin typeface="Franklin Gothic Heavy" panose="020B0903020102020204" pitchFamily="34" charset="0"/>
                 <a:ea typeface="210 청춘시대 R" panose="02020603020101020101" pitchFamily="18" charset="-127"/>
               </a:rPr>
               <a:t>2010</a:t>
@@ -6061,7 +6086,7 @@
                   <a:lumMod val="50000"/>
                 </a:schemeClr>
               </a:solidFill>
-              <a:latin typeface="210 청춘시대 R" panose="02020603020101020101" pitchFamily="18" charset="-127"/>
+              <a:latin typeface="Franklin Gothic Heavy" panose="020B0903020102020204" pitchFamily="34" charset="0"/>
               <a:ea typeface="210 청춘시대 R" panose="02020603020101020101" pitchFamily="18" charset="-127"/>
             </a:endParaRPr>
           </a:p>
@@ -6102,7 +6127,7 @@
                     <a:lumMod val="50000"/>
                   </a:schemeClr>
                 </a:solidFill>
-                <a:latin typeface="210 청춘시대 R" panose="02020603020101020101" pitchFamily="18" charset="-127"/>
+                <a:latin typeface="Franklin Gothic Heavy" panose="020B0903020102020204" pitchFamily="34" charset="0"/>
                 <a:ea typeface="210 청춘시대 R" panose="02020603020101020101" pitchFamily="18" charset="-127"/>
               </a:rPr>
               <a:t>20</a:t>
@@ -6113,7 +6138,7 @@
                   <a:lumMod val="50000"/>
                 </a:schemeClr>
               </a:solidFill>
-              <a:latin typeface="210 청춘시대 R" panose="02020603020101020101" pitchFamily="18" charset="-127"/>
+              <a:latin typeface="Franklin Gothic Heavy" panose="020B0903020102020204" pitchFamily="34" charset="0"/>
               <a:ea typeface="210 청춘시대 R" panose="02020603020101020101" pitchFamily="18" charset="-127"/>
             </a:endParaRPr>
           </a:p>
@@ -6154,7 +6179,7 @@
                     <a:lumMod val="50000"/>
                   </a:schemeClr>
                 </a:solidFill>
-                <a:latin typeface="210 청춘시대 R" panose="02020603020101020101" pitchFamily="18" charset="-127"/>
+                <a:latin typeface="Franklin Gothic Heavy" panose="020B0903020102020204" pitchFamily="34" charset="0"/>
                 <a:ea typeface="210 청춘시대 R" panose="02020603020101020101" pitchFamily="18" charset="-127"/>
               </a:rPr>
               <a:t>2016</a:t>
@@ -6165,7 +6190,7 @@
                   <a:lumMod val="50000"/>
                 </a:schemeClr>
               </a:solidFill>
-              <a:latin typeface="210 청춘시대 R" panose="02020603020101020101" pitchFamily="18" charset="-127"/>
+              <a:latin typeface="Franklin Gothic Heavy" panose="020B0903020102020204" pitchFamily="34" charset="0"/>
               <a:ea typeface="210 청춘시대 R" panose="02020603020101020101" pitchFamily="18" charset="-127"/>
             </a:endParaRPr>
           </a:p>
@@ -6206,7 +6231,7 @@
                     <a:lumMod val="50000"/>
                   </a:schemeClr>
                 </a:solidFill>
-                <a:latin typeface="210 청춘시대 R" panose="02020603020101020101" pitchFamily="18" charset="-127"/>
+                <a:latin typeface="Franklin Gothic Heavy" panose="020B0903020102020204" pitchFamily="34" charset="0"/>
                 <a:ea typeface="210 청춘시대 R" panose="02020603020101020101" pitchFamily="18" charset="-127"/>
               </a:rPr>
               <a:t>40</a:t>
@@ -6217,7 +6242,7 @@
                   <a:lumMod val="50000"/>
                 </a:schemeClr>
               </a:solidFill>
-              <a:latin typeface="210 청춘시대 R" panose="02020603020101020101" pitchFamily="18" charset="-127"/>
+              <a:latin typeface="Franklin Gothic Heavy" panose="020B0903020102020204" pitchFamily="34" charset="0"/>
               <a:ea typeface="210 청춘시대 R" panose="02020603020101020101" pitchFamily="18" charset="-127"/>
             </a:endParaRPr>
           </a:p>
@@ -6274,7 +6299,7 @@
           <a:p>
             <a:pPr algn="ctr"/>
             <a:endParaRPr lang="ko-KR" altLang="en-US" sz="1488">
-              <a:latin typeface="210 청춘시대 R" panose="02020603020101020101" pitchFamily="18" charset="-127"/>
+              <a:latin typeface="Franklin Gothic Heavy" panose="020B0903020102020204" pitchFamily="34" charset="0"/>
               <a:ea typeface="210 청춘시대 R" panose="02020603020101020101" pitchFamily="18" charset="-127"/>
             </a:endParaRPr>
           </a:p>
@@ -6331,7 +6356,7 @@
           <a:p>
             <a:pPr algn="ctr"/>
             <a:endParaRPr lang="ko-KR" altLang="en-US" sz="1488">
-              <a:latin typeface="210 청춘시대 R" panose="02020603020101020101" pitchFamily="18" charset="-127"/>
+              <a:latin typeface="Franklin Gothic Heavy" panose="020B0903020102020204" pitchFamily="34" charset="0"/>
               <a:ea typeface="210 청춘시대 R" panose="02020603020101020101" pitchFamily="18" charset="-127"/>
             </a:endParaRPr>
           </a:p>
@@ -6388,7 +6413,7 @@
           <a:p>
             <a:pPr algn="ctr"/>
             <a:endParaRPr lang="ko-KR" altLang="en-US" sz="1488">
-              <a:latin typeface="210 청춘시대 R" panose="02020603020101020101" pitchFamily="18" charset="-127"/>
+              <a:latin typeface="Franklin Gothic Heavy" panose="020B0903020102020204" pitchFamily="34" charset="0"/>
               <a:ea typeface="210 청춘시대 R" panose="02020603020101020101" pitchFamily="18" charset="-127"/>
             </a:endParaRPr>
           </a:p>
@@ -6445,7 +6470,7 @@
           <a:p>
             <a:pPr algn="ctr"/>
             <a:endParaRPr lang="ko-KR" altLang="en-US" sz="1488">
-              <a:latin typeface="210 청춘시대 R" panose="02020603020101020101" pitchFamily="18" charset="-127"/>
+              <a:latin typeface="Franklin Gothic Heavy" panose="020B0903020102020204" pitchFamily="34" charset="0"/>
               <a:ea typeface="210 청춘시대 R" panose="02020603020101020101" pitchFamily="18" charset="-127"/>
             </a:endParaRPr>
           </a:p>
@@ -6588,7 +6613,7 @@
           <a:p>
             <a:pPr algn="ctr"/>
             <a:endParaRPr lang="ko-KR" altLang="en-US" sz="1488">
-              <a:latin typeface="210 청춘시대 R" panose="02020603020101020101" pitchFamily="18" charset="-127"/>
+              <a:latin typeface="Franklin Gothic Heavy" panose="020B0903020102020204" pitchFamily="34" charset="0"/>
               <a:ea typeface="210 청춘시대 R" panose="02020603020101020101" pitchFamily="18" charset="-127"/>
             </a:endParaRPr>
           </a:p>
@@ -6645,7 +6670,7 @@
           <a:p>
             <a:pPr algn="ctr"/>
             <a:endParaRPr lang="ko-KR" altLang="en-US" sz="1488">
-              <a:latin typeface="210 청춘시대 R" panose="02020603020101020101" pitchFamily="18" charset="-127"/>
+              <a:latin typeface="Franklin Gothic Heavy" panose="020B0903020102020204" pitchFamily="34" charset="0"/>
               <a:ea typeface="210 청춘시대 R" panose="02020603020101020101" pitchFamily="18" charset="-127"/>
             </a:endParaRPr>
           </a:p>
@@ -6702,7 +6727,7 @@
           <a:p>
             <a:pPr algn="ctr"/>
             <a:endParaRPr lang="ko-KR" altLang="en-US" sz="1488">
-              <a:latin typeface="210 청춘시대 R" panose="02020603020101020101" pitchFamily="18" charset="-127"/>
+              <a:latin typeface="Franklin Gothic Heavy" panose="020B0903020102020204" pitchFamily="34" charset="0"/>
               <a:ea typeface="210 청춘시대 R" panose="02020603020101020101" pitchFamily="18" charset="-127"/>
             </a:endParaRPr>
           </a:p>
@@ -6759,7 +6784,7 @@
           <a:p>
             <a:pPr algn="ctr"/>
             <a:endParaRPr lang="ko-KR" altLang="en-US" sz="1488">
-              <a:latin typeface="210 청춘시대 R" panose="02020603020101020101" pitchFamily="18" charset="-127"/>
+              <a:latin typeface="Franklin Gothic Heavy" panose="020B0903020102020204" pitchFamily="34" charset="0"/>
               <a:ea typeface="210 청춘시대 R" panose="02020603020101020101" pitchFamily="18" charset="-127"/>
             </a:endParaRPr>
           </a:p>
@@ -6816,7 +6841,7 @@
           <a:p>
             <a:pPr algn="ctr"/>
             <a:endParaRPr lang="ko-KR" altLang="en-US" sz="1488">
-              <a:latin typeface="210 청춘시대 R" panose="02020603020101020101" pitchFamily="18" charset="-127"/>
+              <a:latin typeface="Franklin Gothic Heavy" panose="020B0903020102020204" pitchFamily="34" charset="0"/>
               <a:ea typeface="210 청춘시대 R" panose="02020603020101020101" pitchFamily="18" charset="-127"/>
             </a:endParaRPr>
           </a:p>
@@ -6873,7 +6898,7 @@
           <a:p>
             <a:pPr algn="ctr"/>
             <a:endParaRPr lang="ko-KR" altLang="en-US" sz="1488">
-              <a:latin typeface="210 청춘시대 R" panose="02020603020101020101" pitchFamily="18" charset="-127"/>
+              <a:latin typeface="Franklin Gothic Heavy" panose="020B0903020102020204" pitchFamily="34" charset="0"/>
               <a:ea typeface="210 청춘시대 R" panose="02020603020101020101" pitchFamily="18" charset="-127"/>
             </a:endParaRPr>
           </a:p>
@@ -6930,7 +6955,7 @@
           <a:p>
             <a:pPr algn="ctr"/>
             <a:endParaRPr lang="ko-KR" altLang="en-US" sz="1488">
-              <a:latin typeface="210 청춘시대 R" panose="02020603020101020101" pitchFamily="18" charset="-127"/>
+              <a:latin typeface="Franklin Gothic Heavy" panose="020B0903020102020204" pitchFamily="34" charset="0"/>
               <a:ea typeface="210 청춘시대 R" panose="02020603020101020101" pitchFamily="18" charset="-127"/>
             </a:endParaRPr>
           </a:p>
@@ -6987,7 +7012,7 @@
           <a:p>
             <a:pPr algn="ctr"/>
             <a:endParaRPr lang="ko-KR" altLang="en-US" sz="1488">
-              <a:latin typeface="210 청춘시대 R" panose="02020603020101020101" pitchFamily="18" charset="-127"/>
+              <a:latin typeface="Franklin Gothic Heavy" panose="020B0903020102020204" pitchFamily="34" charset="0"/>
               <a:ea typeface="210 청춘시대 R" panose="02020603020101020101" pitchFamily="18" charset="-127"/>
             </a:endParaRPr>
           </a:p>
@@ -7044,7 +7069,7 @@
           <a:p>
             <a:pPr algn="ctr"/>
             <a:endParaRPr lang="ko-KR" altLang="en-US" sz="1488">
-              <a:latin typeface="210 청춘시대 R" panose="02020603020101020101" pitchFamily="18" charset="-127"/>
+              <a:latin typeface="Franklin Gothic Heavy" panose="020B0903020102020204" pitchFamily="34" charset="0"/>
               <a:ea typeface="210 청춘시대 R" panose="02020603020101020101" pitchFamily="18" charset="-127"/>
             </a:endParaRPr>
           </a:p>
@@ -7102,7 +7127,7 @@
           <a:p>
             <a:pPr algn="ctr"/>
             <a:endParaRPr lang="ko-KR" altLang="en-US" sz="1488">
-              <a:latin typeface="210 청춘시대 R" panose="02020603020101020101" pitchFamily="18" charset="-127"/>
+              <a:latin typeface="Franklin Gothic Heavy" panose="020B0903020102020204" pitchFamily="34" charset="0"/>
               <a:ea typeface="210 청춘시대 R" panose="02020603020101020101" pitchFamily="18" charset="-127"/>
             </a:endParaRPr>
           </a:p>
@@ -7160,7 +7185,7 @@
           <a:p>
             <a:pPr algn="ctr"/>
             <a:endParaRPr lang="ko-KR" altLang="en-US" sz="1488">
-              <a:latin typeface="210 청춘시대 R" panose="02020603020101020101" pitchFamily="18" charset="-127"/>
+              <a:latin typeface="Franklin Gothic Heavy" panose="020B0903020102020204" pitchFamily="34" charset="0"/>
               <a:ea typeface="210 청춘시대 R" panose="02020603020101020101" pitchFamily="18" charset="-127"/>
             </a:endParaRPr>
           </a:p>
@@ -7218,7 +7243,7 @@
           <a:p>
             <a:pPr algn="ctr"/>
             <a:endParaRPr lang="ko-KR" altLang="en-US" sz="1488">
-              <a:latin typeface="210 청춘시대 R" panose="02020603020101020101" pitchFamily="18" charset="-127"/>
+              <a:latin typeface="Franklin Gothic Heavy" panose="020B0903020102020204" pitchFamily="34" charset="0"/>
               <a:ea typeface="210 청춘시대 R" panose="02020603020101020101" pitchFamily="18" charset="-127"/>
             </a:endParaRPr>
           </a:p>
@@ -7276,7 +7301,7 @@
           <a:p>
             <a:pPr algn="ctr"/>
             <a:endParaRPr lang="ko-KR" altLang="en-US" sz="1488">
-              <a:latin typeface="210 청춘시대 R" panose="02020603020101020101" pitchFamily="18" charset="-127"/>
+              <a:latin typeface="Franklin Gothic Heavy" panose="020B0903020102020204" pitchFamily="34" charset="0"/>
               <a:ea typeface="210 청춘시대 R" panose="02020603020101020101" pitchFamily="18" charset="-127"/>
             </a:endParaRPr>
           </a:p>
@@ -7333,7 +7358,7 @@
           <a:p>
             <a:pPr algn="ctr"/>
             <a:endParaRPr lang="ko-KR" altLang="en-US" sz="1488">
-              <a:latin typeface="210 청춘시대 R" panose="02020603020101020101" pitchFamily="18" charset="-127"/>
+              <a:latin typeface="Franklin Gothic Heavy" panose="020B0903020102020204" pitchFamily="34" charset="0"/>
               <a:ea typeface="210 청춘시대 R" panose="02020603020101020101" pitchFamily="18" charset="-127"/>
             </a:endParaRPr>
           </a:p>
@@ -7884,7 +7909,7 @@
           <a:p>
             <a:pPr algn="ctr"/>
             <a:endParaRPr lang="ko-KR" altLang="en-US" sz="1488">
-              <a:latin typeface="210 청춘시대 R" panose="02020603020101020101" pitchFamily="18" charset="-127"/>
+              <a:latin typeface="Franklin Gothic Heavy" panose="020B0903020102020204" pitchFamily="34" charset="0"/>
               <a:ea typeface="210 청춘시대 R" panose="02020603020101020101" pitchFamily="18" charset="-127"/>
             </a:endParaRPr>
           </a:p>
@@ -7939,7 +7964,7 @@
           <a:p>
             <a:pPr algn="ctr"/>
             <a:endParaRPr lang="ko-KR" altLang="en-US" sz="1488">
-              <a:latin typeface="210 청춘시대 R" panose="02020603020101020101" pitchFamily="18" charset="-127"/>
+              <a:latin typeface="Franklin Gothic Heavy" panose="020B0903020102020204" pitchFamily="34" charset="0"/>
               <a:ea typeface="210 청춘시대 R" panose="02020603020101020101" pitchFamily="18" charset="-127"/>
             </a:endParaRPr>
           </a:p>
@@ -7994,7 +8019,7 @@
           <a:p>
             <a:pPr algn="ctr"/>
             <a:endParaRPr lang="ko-KR" altLang="en-US" sz="1488">
-              <a:latin typeface="210 청춘시대 R" panose="02020603020101020101" pitchFamily="18" charset="-127"/>
+              <a:latin typeface="Franklin Gothic Heavy" panose="020B0903020102020204" pitchFamily="34" charset="0"/>
               <a:ea typeface="210 청춘시대 R" panose="02020603020101020101" pitchFamily="18" charset="-127"/>
             </a:endParaRPr>
           </a:p>
@@ -8049,7 +8074,7 @@
           <a:p>
             <a:pPr algn="ctr"/>
             <a:endParaRPr lang="ko-KR" altLang="en-US" sz="1488">
-              <a:latin typeface="210 청춘시대 R" panose="02020603020101020101" pitchFamily="18" charset="-127"/>
+              <a:latin typeface="Franklin Gothic Heavy" panose="020B0903020102020204" pitchFamily="34" charset="0"/>
               <a:ea typeface="210 청춘시대 R" panose="02020603020101020101" pitchFamily="18" charset="-127"/>
             </a:endParaRPr>
           </a:p>
@@ -8104,7 +8129,7 @@
           <a:p>
             <a:pPr algn="ctr"/>
             <a:endParaRPr lang="ko-KR" altLang="en-US" sz="1488">
-              <a:latin typeface="210 청춘시대 R" panose="02020603020101020101" pitchFamily="18" charset="-127"/>
+              <a:latin typeface="Franklin Gothic Heavy" panose="020B0903020102020204" pitchFamily="34" charset="0"/>
               <a:ea typeface="210 청춘시대 R" panose="02020603020101020101" pitchFamily="18" charset="-127"/>
             </a:endParaRPr>
           </a:p>
@@ -8161,7 +8186,7 @@
           <a:p>
             <a:pPr algn="ctr"/>
             <a:endParaRPr lang="ko-KR" altLang="en-US" sz="1488">
-              <a:latin typeface="210 청춘시대 R" panose="02020603020101020101" pitchFamily="18" charset="-127"/>
+              <a:latin typeface="Franklin Gothic Heavy" panose="020B0903020102020204" pitchFamily="34" charset="0"/>
               <a:ea typeface="210 청춘시대 R" panose="02020603020101020101" pitchFamily="18" charset="-127"/>
             </a:endParaRPr>
           </a:p>
@@ -8200,7 +8225,7 @@
                 <a:solidFill>
                   <a:srgbClr val="C00000"/>
                 </a:solidFill>
-                <a:latin typeface="210 청춘시대 R" panose="02020603020101020101" pitchFamily="18" charset="-127"/>
+                <a:latin typeface="Franklin Gothic Heavy" panose="020B0903020102020204" pitchFamily="34" charset="0"/>
                 <a:ea typeface="210 청춘시대 R" panose="02020603020101020101" pitchFamily="18" charset="-127"/>
               </a:rPr>
               <a:t>12.7</a:t>
@@ -8209,7 +8234,7 @@
               <a:solidFill>
                 <a:srgbClr val="C00000"/>
               </a:solidFill>
-              <a:latin typeface="210 청춘시대 R" panose="02020603020101020101" pitchFamily="18" charset="-127"/>
+              <a:latin typeface="Franklin Gothic Heavy" panose="020B0903020102020204" pitchFamily="34" charset="0"/>
               <a:ea typeface="210 청춘시대 R" panose="02020603020101020101" pitchFamily="18" charset="-127"/>
             </a:endParaRPr>
           </a:p>
@@ -8248,7 +8273,7 @@
                 <a:solidFill>
                   <a:srgbClr val="C00000"/>
                 </a:solidFill>
-                <a:latin typeface="210 청춘시대 R" panose="02020603020101020101" pitchFamily="18" charset="-127"/>
+                <a:latin typeface="Franklin Gothic Heavy" panose="020B0903020102020204" pitchFamily="34" charset="0"/>
                 <a:ea typeface="210 청춘시대 R" panose="02020603020101020101" pitchFamily="18" charset="-127"/>
               </a:rPr>
               <a:t>20.0</a:t>
@@ -8257,7 +8282,7 @@
               <a:solidFill>
                 <a:srgbClr val="C00000"/>
               </a:solidFill>
-              <a:latin typeface="210 청춘시대 R" panose="02020603020101020101" pitchFamily="18" charset="-127"/>
+              <a:latin typeface="Franklin Gothic Heavy" panose="020B0903020102020204" pitchFamily="34" charset="0"/>
               <a:ea typeface="210 청춘시대 R" panose="02020603020101020101" pitchFamily="18" charset="-127"/>
             </a:endParaRPr>
           </a:p>
@@ -8296,7 +8321,7 @@
                 <a:solidFill>
                   <a:srgbClr val="C00000"/>
                 </a:solidFill>
-                <a:latin typeface="210 청춘시대 R" panose="02020603020101020101" pitchFamily="18" charset="-127"/>
+                <a:latin typeface="Franklin Gothic Heavy" panose="020B0903020102020204" pitchFamily="34" charset="0"/>
                 <a:ea typeface="210 청춘시대 R" panose="02020603020101020101" pitchFamily="18" charset="-127"/>
               </a:rPr>
               <a:t>15.5</a:t>
@@ -8305,7 +8330,7 @@
               <a:solidFill>
                 <a:srgbClr val="C00000"/>
               </a:solidFill>
-              <a:latin typeface="210 청춘시대 R" panose="02020603020101020101" pitchFamily="18" charset="-127"/>
+              <a:latin typeface="Franklin Gothic Heavy" panose="020B0903020102020204" pitchFamily="34" charset="0"/>
               <a:ea typeface="210 청춘시대 R" panose="02020603020101020101" pitchFamily="18" charset="-127"/>
             </a:endParaRPr>
           </a:p>
@@ -8344,7 +8369,7 @@
                 <a:solidFill>
                   <a:srgbClr val="C00000"/>
                 </a:solidFill>
-                <a:latin typeface="210 청춘시대 R" panose="02020603020101020101" pitchFamily="18" charset="-127"/>
+                <a:latin typeface="Franklin Gothic Heavy" panose="020B0903020102020204" pitchFamily="34" charset="0"/>
                 <a:ea typeface="210 청춘시대 R" panose="02020603020101020101" pitchFamily="18" charset="-127"/>
               </a:rPr>
               <a:t>27.9</a:t>
@@ -8353,7 +8378,7 @@
               <a:solidFill>
                 <a:srgbClr val="C00000"/>
               </a:solidFill>
-              <a:latin typeface="210 청춘시대 R" panose="02020603020101020101" pitchFamily="18" charset="-127"/>
+              <a:latin typeface="Franklin Gothic Heavy" panose="020B0903020102020204" pitchFamily="34" charset="0"/>
               <a:ea typeface="210 청춘시대 R" panose="02020603020101020101" pitchFamily="18" charset="-127"/>
             </a:endParaRPr>
           </a:p>
@@ -8392,7 +8417,7 @@
                 <a:solidFill>
                   <a:srgbClr val="C00000"/>
                 </a:solidFill>
-                <a:latin typeface="210 청춘시대 R" panose="02020603020101020101" pitchFamily="18" charset="-127"/>
+                <a:latin typeface="Franklin Gothic Heavy" panose="020B0903020102020204" pitchFamily="34" charset="0"/>
                 <a:ea typeface="210 청춘시대 R" panose="02020603020101020101" pitchFamily="18" charset="-127"/>
               </a:rPr>
               <a:t>23.9</a:t>
@@ -8401,7 +8426,7 @@
               <a:solidFill>
                 <a:srgbClr val="C00000"/>
               </a:solidFill>
-              <a:latin typeface="210 청춘시대 R" panose="02020603020101020101" pitchFamily="18" charset="-127"/>
+              <a:latin typeface="Franklin Gothic Heavy" panose="020B0903020102020204" pitchFamily="34" charset="0"/>
               <a:ea typeface="210 청춘시대 R" panose="02020603020101020101" pitchFamily="18" charset="-127"/>
             </a:endParaRPr>
           </a:p>
@@ -8440,7 +8465,7 @@
                 <a:solidFill>
                   <a:srgbClr val="FFC000"/>
                 </a:solidFill>
-                <a:latin typeface="210 청춘시대 R" panose="02020603020101020101" pitchFamily="18" charset="-127"/>
+                <a:latin typeface="Franklin Gothic Heavy" panose="020B0903020102020204" pitchFamily="34" charset="0"/>
                 <a:ea typeface="210 청춘시대 R" panose="02020603020101020101" pitchFamily="18" charset="-127"/>
               </a:rPr>
               <a:t>31.7</a:t>
@@ -8449,7 +8474,7 @@
               <a:solidFill>
                 <a:srgbClr val="FFC000"/>
               </a:solidFill>
-              <a:latin typeface="210 청춘시대 R" panose="02020603020101020101" pitchFamily="18" charset="-127"/>
+              <a:latin typeface="Franklin Gothic Heavy" panose="020B0903020102020204" pitchFamily="34" charset="0"/>
               <a:ea typeface="210 청춘시대 R" panose="02020603020101020101" pitchFamily="18" charset="-127"/>
             </a:endParaRPr>
           </a:p>
@@ -8488,7 +8513,7 @@
                 <a:solidFill>
                   <a:srgbClr val="FFC000"/>
                 </a:solidFill>
-                <a:latin typeface="210 청춘시대 R" panose="02020603020101020101" pitchFamily="18" charset="-127"/>
+                <a:latin typeface="Franklin Gothic Heavy" panose="020B0903020102020204" pitchFamily="34" charset="0"/>
                 <a:ea typeface="210 청춘시대 R" panose="02020603020101020101" pitchFamily="18" charset="-127"/>
               </a:rPr>
               <a:t>18.3</a:t>
@@ -8497,7 +8522,7 @@
               <a:solidFill>
                 <a:srgbClr val="FFC000"/>
               </a:solidFill>
-              <a:latin typeface="210 청춘시대 R" panose="02020603020101020101" pitchFamily="18" charset="-127"/>
+              <a:latin typeface="Franklin Gothic Heavy" panose="020B0903020102020204" pitchFamily="34" charset="0"/>
               <a:ea typeface="210 청춘시대 R" panose="02020603020101020101" pitchFamily="18" charset="-127"/>
             </a:endParaRPr>
           </a:p>
@@ -8536,7 +8561,7 @@
                 <a:solidFill>
                   <a:srgbClr val="FFC000"/>
                 </a:solidFill>
-                <a:latin typeface="210 청춘시대 R" panose="02020603020101020101" pitchFamily="18" charset="-127"/>
+                <a:latin typeface="Franklin Gothic Heavy" panose="020B0903020102020204" pitchFamily="34" charset="0"/>
                 <a:ea typeface="210 청춘시대 R" panose="02020603020101020101" pitchFamily="18" charset="-127"/>
               </a:rPr>
               <a:t>27.0</a:t>
@@ -8545,7 +8570,7 @@
               <a:solidFill>
                 <a:srgbClr val="FFC000"/>
               </a:solidFill>
-              <a:latin typeface="210 청춘시대 R" panose="02020603020101020101" pitchFamily="18" charset="-127"/>
+              <a:latin typeface="Franklin Gothic Heavy" panose="020B0903020102020204" pitchFamily="34" charset="0"/>
               <a:ea typeface="210 청춘시대 R" panose="02020603020101020101" pitchFamily="18" charset="-127"/>
             </a:endParaRPr>
           </a:p>
@@ -8584,7 +8609,7 @@
                 <a:solidFill>
                   <a:srgbClr val="FFC000"/>
                 </a:solidFill>
-                <a:latin typeface="210 청춘시대 R" panose="02020603020101020101" pitchFamily="18" charset="-127"/>
+                <a:latin typeface="Franklin Gothic Heavy" panose="020B0903020102020204" pitchFamily="34" charset="0"/>
                 <a:ea typeface="210 청춘시대 R" panose="02020603020101020101" pitchFamily="18" charset="-127"/>
               </a:rPr>
               <a:t>22.0</a:t>
@@ -8593,7 +8618,7 @@
               <a:solidFill>
                 <a:srgbClr val="FFC000"/>
               </a:solidFill>
-              <a:latin typeface="210 청춘시대 R" panose="02020603020101020101" pitchFamily="18" charset="-127"/>
+              <a:latin typeface="Franklin Gothic Heavy" panose="020B0903020102020204" pitchFamily="34" charset="0"/>
               <a:ea typeface="210 청춘시대 R" panose="02020603020101020101" pitchFamily="18" charset="-127"/>
             </a:endParaRPr>
           </a:p>
@@ -8632,7 +8657,7 @@
                 <a:solidFill>
                   <a:srgbClr val="FFC000"/>
                 </a:solidFill>
-                <a:latin typeface="210 청춘시대 R" panose="02020603020101020101" pitchFamily="18" charset="-127"/>
+                <a:latin typeface="Franklin Gothic Heavy" panose="020B0903020102020204" pitchFamily="34" charset="0"/>
                 <a:ea typeface="210 청춘시대 R" panose="02020603020101020101" pitchFamily="18" charset="-127"/>
               </a:rPr>
               <a:t>31.1</a:t>
@@ -8641,7 +8666,7 @@
               <a:solidFill>
                 <a:srgbClr val="FFC000"/>
               </a:solidFill>
-              <a:latin typeface="210 청춘시대 R" panose="02020603020101020101" pitchFamily="18" charset="-127"/>
+              <a:latin typeface="Franklin Gothic Heavy" panose="020B0903020102020204" pitchFamily="34" charset="0"/>
               <a:ea typeface="210 청춘시대 R" panose="02020603020101020101" pitchFamily="18" charset="-127"/>
             </a:endParaRPr>
           </a:p>
@@ -8698,7 +8723,7 @@
           <a:p>
             <a:pPr algn="ctr"/>
             <a:endParaRPr lang="ko-KR" altLang="en-US" sz="1488">
-              <a:latin typeface="210 청춘시대 R" panose="02020603020101020101" pitchFamily="18" charset="-127"/>
+              <a:latin typeface="Franklin Gothic Heavy" panose="020B0903020102020204" pitchFamily="34" charset="0"/>
               <a:ea typeface="210 청춘시대 R" panose="02020603020101020101" pitchFamily="18" charset="-127"/>
             </a:endParaRPr>
           </a:p>
@@ -8753,7 +8778,7 @@
           <a:p>
             <a:pPr algn="ctr"/>
             <a:endParaRPr lang="ko-KR" altLang="en-US" sz="1488">
-              <a:latin typeface="210 청춘시대 R" panose="02020603020101020101" pitchFamily="18" charset="-127"/>
+              <a:latin typeface="Franklin Gothic Heavy" panose="020B0903020102020204" pitchFamily="34" charset="0"/>
               <a:ea typeface="210 청춘시대 R" panose="02020603020101020101" pitchFamily="18" charset="-127"/>
             </a:endParaRPr>
           </a:p>
@@ -8811,7 +8836,7 @@
           <a:p>
             <a:pPr algn="ctr"/>
             <a:endParaRPr lang="ko-KR" altLang="en-US" sz="1488">
-              <a:latin typeface="210 청춘시대 R" panose="02020603020101020101" pitchFamily="18" charset="-127"/>
+              <a:latin typeface="Franklin Gothic Heavy" panose="020B0903020102020204" pitchFamily="34" charset="0"/>
               <a:ea typeface="210 청춘시대 R" panose="02020603020101020101" pitchFamily="18" charset="-127"/>
             </a:endParaRPr>
           </a:p>
@@ -8868,7 +8893,7 @@
           <a:p>
             <a:pPr algn="ctr"/>
             <a:endParaRPr lang="ko-KR" altLang="en-US" sz="1488">
-              <a:latin typeface="210 청춘시대 R" panose="02020603020101020101" pitchFamily="18" charset="-127"/>
+              <a:latin typeface="Franklin Gothic Heavy" panose="020B0903020102020204" pitchFamily="34" charset="0"/>
               <a:ea typeface="210 청춘시대 R" panose="02020603020101020101" pitchFamily="18" charset="-127"/>
             </a:endParaRPr>
           </a:p>
@@ -8925,7 +8950,7 @@
           <a:p>
             <a:pPr algn="ctr"/>
             <a:endParaRPr lang="ko-KR" altLang="en-US" sz="1488">
-              <a:latin typeface="210 청춘시대 R" panose="02020603020101020101" pitchFamily="18" charset="-127"/>
+              <a:latin typeface="Franklin Gothic Heavy" panose="020B0903020102020204" pitchFamily="34" charset="0"/>
               <a:ea typeface="210 청춘시대 R" panose="02020603020101020101" pitchFamily="18" charset="-127"/>
             </a:endParaRPr>
           </a:p>
@@ -8966,7 +8991,7 @@
                     <a:lumMod val="50000"/>
                   </a:schemeClr>
                 </a:solidFill>
-                <a:latin typeface="210 청춘시대 R" panose="02020603020101020101" pitchFamily="18" charset="-127"/>
+                <a:latin typeface="Franklin Gothic Heavy" panose="020B0903020102020204" pitchFamily="34" charset="0"/>
                 <a:ea typeface="210 청춘시대 R" panose="02020603020101020101" pitchFamily="18" charset="-127"/>
               </a:rPr>
               <a:t>3</a:t>
@@ -8978,7 +9003,7 @@
                     <a:lumMod val="50000"/>
                   </a:schemeClr>
                 </a:solidFill>
-                <a:latin typeface="210 청춘시대 R" panose="02020603020101020101" pitchFamily="18" charset="-127"/>
+                <a:latin typeface="Franklin Gothic Heavy" panose="020B0903020102020204" pitchFamily="34" charset="0"/>
                 <a:ea typeface="210 청춘시대 R" panose="02020603020101020101" pitchFamily="18" charset="-127"/>
               </a:rPr>
               <a:t>인가구</a:t>
@@ -9021,7 +9046,7 @@
                     <a:lumMod val="50000"/>
                   </a:schemeClr>
                 </a:solidFill>
-                <a:latin typeface="210 청춘시대 R" panose="02020603020101020101" pitchFamily="18" charset="-127"/>
+                <a:latin typeface="Franklin Gothic Heavy" panose="020B0903020102020204" pitchFamily="34" charset="0"/>
                 <a:ea typeface="210 청춘시대 R" panose="02020603020101020101" pitchFamily="18" charset="-127"/>
               </a:rPr>
               <a:t>2</a:t>
@@ -9033,7 +9058,7 @@
                     <a:lumMod val="50000"/>
                   </a:schemeClr>
                 </a:solidFill>
-                <a:latin typeface="210 청춘시대 R" panose="02020603020101020101" pitchFamily="18" charset="-127"/>
+                <a:latin typeface="Franklin Gothic Heavy" panose="020B0903020102020204" pitchFamily="34" charset="0"/>
                 <a:ea typeface="210 청춘시대 R" panose="02020603020101020101" pitchFamily="18" charset="-127"/>
               </a:rPr>
               <a:t>인가구</a:t>
@@ -9076,7 +9101,7 @@
                     <a:lumMod val="50000"/>
                   </a:schemeClr>
                 </a:solidFill>
-                <a:latin typeface="210 청춘시대 R" panose="02020603020101020101" pitchFamily="18" charset="-127"/>
+                <a:latin typeface="Franklin Gothic Heavy" panose="020B0903020102020204" pitchFamily="34" charset="0"/>
                 <a:ea typeface="210 청춘시대 R" panose="02020603020101020101" pitchFamily="18" charset="-127"/>
               </a:rPr>
               <a:t>5</a:t>
@@ -9088,7 +9113,7 @@
                     <a:lumMod val="50000"/>
                   </a:schemeClr>
                 </a:solidFill>
-                <a:latin typeface="210 청춘시대 R" panose="02020603020101020101" pitchFamily="18" charset="-127"/>
+                <a:latin typeface="Franklin Gothic Heavy" panose="020B0903020102020204" pitchFamily="34" charset="0"/>
                 <a:ea typeface="210 청춘시대 R" panose="02020603020101020101" pitchFamily="18" charset="-127"/>
               </a:rPr>
               <a:t>인이상 가구</a:t>
@@ -9131,7 +9156,7 @@
                     <a:lumMod val="50000"/>
                   </a:schemeClr>
                 </a:solidFill>
-                <a:latin typeface="210 청춘시대 R" panose="02020603020101020101" pitchFamily="18" charset="-127"/>
+                <a:latin typeface="Franklin Gothic Heavy" panose="020B0903020102020204" pitchFamily="34" charset="0"/>
                 <a:ea typeface="210 청춘시대 R" panose="02020603020101020101" pitchFamily="18" charset="-127"/>
               </a:rPr>
               <a:t>1</a:t>
@@ -9143,7 +9168,7 @@
                     <a:lumMod val="50000"/>
                   </a:schemeClr>
                 </a:solidFill>
-                <a:latin typeface="210 청춘시대 R" panose="02020603020101020101" pitchFamily="18" charset="-127"/>
+                <a:latin typeface="Franklin Gothic Heavy" panose="020B0903020102020204" pitchFamily="34" charset="0"/>
                 <a:ea typeface="210 청춘시대 R" panose="02020603020101020101" pitchFamily="18" charset="-127"/>
               </a:rPr>
               <a:t>인가구</a:t>
@@ -9186,7 +9211,7 @@
                     <a:lumMod val="50000"/>
                   </a:schemeClr>
                 </a:solidFill>
-                <a:latin typeface="210 청춘시대 R" panose="02020603020101020101" pitchFamily="18" charset="-127"/>
+                <a:latin typeface="Franklin Gothic Heavy" panose="020B0903020102020204" pitchFamily="34" charset="0"/>
                 <a:ea typeface="210 청춘시대 R" panose="02020603020101020101" pitchFamily="18" charset="-127"/>
               </a:rPr>
               <a:t>4</a:t>
@@ -9198,7 +9223,7 @@
                     <a:lumMod val="50000"/>
                   </a:schemeClr>
                 </a:solidFill>
-                <a:latin typeface="210 청춘시대 R" panose="02020603020101020101" pitchFamily="18" charset="-127"/>
+                <a:latin typeface="Franklin Gothic Heavy" panose="020B0903020102020204" pitchFamily="34" charset="0"/>
                 <a:ea typeface="210 청춘시대 R" panose="02020603020101020101" pitchFamily="18" charset="-127"/>
               </a:rPr>
               <a:t>인가구</a:t>
@@ -9241,7 +9266,7 @@
                     <a:lumMod val="50000"/>
                   </a:schemeClr>
                 </a:solidFill>
-                <a:latin typeface="210 청춘시대 R" panose="02020603020101020101" pitchFamily="18" charset="-127"/>
+                <a:latin typeface="Franklin Gothic Heavy" panose="020B0903020102020204" pitchFamily="34" charset="0"/>
                 <a:ea typeface="210 청춘시대 R" panose="02020603020101020101" pitchFamily="18" charset="-127"/>
               </a:rPr>
               <a:t>(</a:t>
@@ -9253,7 +9278,7 @@
                     <a:lumMod val="50000"/>
                   </a:schemeClr>
                 </a:solidFill>
-                <a:latin typeface="210 청춘시대 R" panose="02020603020101020101" pitchFamily="18" charset="-127"/>
+                <a:latin typeface="Franklin Gothic Heavy" panose="020B0903020102020204" pitchFamily="34" charset="0"/>
                 <a:ea typeface="210 청춘시대 R" panose="02020603020101020101" pitchFamily="18" charset="-127"/>
               </a:rPr>
               <a:t>출처</a:t>
@@ -9265,7 +9290,7 @@
                     <a:lumMod val="50000"/>
                   </a:schemeClr>
                 </a:solidFill>
-                <a:latin typeface="210 청춘시대 R" panose="02020603020101020101" pitchFamily="18" charset="-127"/>
+                <a:latin typeface="Franklin Gothic Heavy" panose="020B0903020102020204" pitchFamily="34" charset="0"/>
                 <a:ea typeface="210 청춘시대 R" panose="02020603020101020101" pitchFamily="18" charset="-127"/>
               </a:rPr>
               <a:t>: </a:t>
@@ -9277,7 +9302,7 @@
                     <a:lumMod val="50000"/>
                   </a:schemeClr>
                 </a:solidFill>
-                <a:latin typeface="210 청춘시대 R" panose="02020603020101020101" pitchFamily="18" charset="-127"/>
+                <a:latin typeface="Franklin Gothic Heavy" panose="020B0903020102020204" pitchFamily="34" charset="0"/>
                 <a:ea typeface="210 청춘시대 R" panose="02020603020101020101" pitchFamily="18" charset="-127"/>
               </a:rPr>
               <a:t>통계청</a:t>
@@ -9289,7 +9314,7 @@
                     <a:lumMod val="50000"/>
                   </a:schemeClr>
                 </a:solidFill>
-                <a:latin typeface="210 청춘시대 R" panose="02020603020101020101" pitchFamily="18" charset="-127"/>
+                <a:latin typeface="Franklin Gothic Heavy" panose="020B0903020102020204" pitchFamily="34" charset="0"/>
                 <a:ea typeface="210 청춘시대 R" panose="02020603020101020101" pitchFamily="18" charset="-127"/>
               </a:rPr>
               <a:t>, 2017)</a:t>
@@ -9300,7 +9325,7 @@
                   <a:lumMod val="50000"/>
                 </a:schemeClr>
               </a:solidFill>
-              <a:latin typeface="210 청춘시대 R" panose="02020603020101020101" pitchFamily="18" charset="-127"/>
+              <a:latin typeface="Franklin Gothic Heavy" panose="020B0903020102020204" pitchFamily="34" charset="0"/>
               <a:ea typeface="210 청춘시대 R" panose="02020603020101020101" pitchFamily="18" charset="-127"/>
             </a:endParaRPr>
           </a:p>
@@ -9359,7 +9384,7 @@
           <a:p>
             <a:pPr algn="ctr"/>
             <a:endParaRPr lang="ko-KR" altLang="en-US" sz="4465" b="1" dirty="0">
-              <a:latin typeface="210 청춘시대 R" panose="02020603020101020101" pitchFamily="18" charset="-127"/>
+              <a:latin typeface="Franklin Gothic Heavy" panose="020B0903020102020204" pitchFamily="34" charset="0"/>
               <a:ea typeface="210 청춘시대 R" panose="02020603020101020101" pitchFamily="18" charset="-127"/>
             </a:endParaRPr>
           </a:p>
@@ -9393,7 +9418,7 @@
                 <a:solidFill>
                   <a:schemeClr val="bg1"/>
                 </a:solidFill>
-                <a:latin typeface="a가을소풍M" panose="02020600000000000000" pitchFamily="18" charset="-127"/>
+                <a:latin typeface="Franklin Gothic Heavy" panose="020B0903020102020204" pitchFamily="34" charset="0"/>
                 <a:ea typeface="a가을소풍M" panose="02020600000000000000" pitchFamily="18" charset="-127"/>
               </a:rPr>
               <a:t>1</a:t>
@@ -9403,7 +9428,7 @@
                 <a:solidFill>
                   <a:schemeClr val="bg1"/>
                 </a:solidFill>
-                <a:latin typeface="a가을소풍M" panose="02020600000000000000" pitchFamily="18" charset="-127"/>
+                <a:latin typeface="Franklin Gothic Heavy" panose="020B0903020102020204" pitchFamily="34" charset="0"/>
                 <a:ea typeface="a가을소풍M" panose="02020600000000000000" pitchFamily="18" charset="-127"/>
               </a:rPr>
               <a:t>인가구는 </a:t>
@@ -9413,7 +9438,7 @@
                 <a:solidFill>
                   <a:schemeClr val="bg1"/>
                 </a:solidFill>
-                <a:latin typeface="a가을소풍M" panose="02020600000000000000" pitchFamily="18" charset="-127"/>
+                <a:latin typeface="Franklin Gothic Heavy" panose="020B0903020102020204" pitchFamily="34" charset="0"/>
                 <a:ea typeface="a가을소풍M" panose="02020600000000000000" pitchFamily="18" charset="-127"/>
               </a:rPr>
               <a:t>2000</a:t>
@@ -9423,7 +9448,7 @@
                 <a:solidFill>
                   <a:schemeClr val="bg1"/>
                 </a:solidFill>
-                <a:latin typeface="a가을소풍M" panose="02020600000000000000" pitchFamily="18" charset="-127"/>
+                <a:latin typeface="Franklin Gothic Heavy" panose="020B0903020102020204" pitchFamily="34" charset="0"/>
                 <a:ea typeface="a가을소풍M" panose="02020600000000000000" pitchFamily="18" charset="-127"/>
               </a:rPr>
               <a:t>년 대비 </a:t>
@@ -9433,7 +9458,7 @@
                 <a:solidFill>
                   <a:srgbClr val="C00000"/>
                 </a:solidFill>
-                <a:latin typeface="a가을소풍M" panose="02020600000000000000" pitchFamily="18" charset="-127"/>
+                <a:latin typeface="Franklin Gothic Heavy" panose="020B0903020102020204" pitchFamily="34" charset="0"/>
                 <a:ea typeface="a가을소풍M" panose="02020600000000000000" pitchFamily="18" charset="-127"/>
               </a:rPr>
               <a:t>12.4% </a:t>
@@ -9443,7 +9468,7 @@
                 <a:solidFill>
                   <a:schemeClr val="bg1"/>
                 </a:solidFill>
-                <a:latin typeface="a가을소풍M" panose="02020600000000000000" pitchFamily="18" charset="-127"/>
+                <a:latin typeface="Franklin Gothic Heavy" panose="020B0903020102020204" pitchFamily="34" charset="0"/>
                 <a:ea typeface="a가을소풍M" panose="02020600000000000000" pitchFamily="18" charset="-127"/>
               </a:rPr>
               <a:t>증가하였고</a:t>
@@ -9453,7 +9478,7 @@
                 <a:solidFill>
                   <a:schemeClr val="bg1"/>
                 </a:solidFill>
-                <a:latin typeface="a가을소풍M" panose="02020600000000000000" pitchFamily="18" charset="-127"/>
+                <a:latin typeface="Franklin Gothic Heavy" panose="020B0903020102020204" pitchFamily="34" charset="0"/>
                 <a:ea typeface="a가을소풍M" panose="02020600000000000000" pitchFamily="18" charset="-127"/>
               </a:rPr>
               <a:t> 2035</a:t>
@@ -9463,7 +9488,7 @@
                 <a:solidFill>
                   <a:schemeClr val="bg1"/>
                 </a:solidFill>
-                <a:latin typeface="a가을소풍M" panose="02020600000000000000" pitchFamily="18" charset="-127"/>
+                <a:latin typeface="Franklin Gothic Heavy" panose="020B0903020102020204" pitchFamily="34" charset="0"/>
                 <a:ea typeface="a가을소풍M" panose="02020600000000000000" pitchFamily="18" charset="-127"/>
               </a:rPr>
               <a:t>년에는 </a:t>
@@ -9473,7 +9498,7 @@
                 <a:solidFill>
                   <a:schemeClr val="bg1"/>
                 </a:solidFill>
-                <a:latin typeface="a가을소풍M" panose="02020600000000000000" pitchFamily="18" charset="-127"/>
+                <a:latin typeface="Franklin Gothic Heavy" panose="020B0903020102020204" pitchFamily="34" charset="0"/>
                 <a:ea typeface="a가을소풍M" panose="02020600000000000000" pitchFamily="18" charset="-127"/>
               </a:rPr>
               <a:t>1</a:t>
@@ -9483,7 +9508,7 @@
                 <a:solidFill>
                   <a:schemeClr val="bg1"/>
                 </a:solidFill>
-                <a:latin typeface="a가을소풍M" panose="02020600000000000000" pitchFamily="18" charset="-127"/>
+                <a:latin typeface="Franklin Gothic Heavy" panose="020B0903020102020204" pitchFamily="34" charset="0"/>
                 <a:ea typeface="a가을소풍M" panose="02020600000000000000" pitchFamily="18" charset="-127"/>
               </a:rPr>
               <a:t>인가구</a:t>
@@ -9493,7 +9518,7 @@
                 <a:solidFill>
                   <a:schemeClr val="bg1"/>
                 </a:solidFill>
-                <a:latin typeface="a가을소풍M" panose="02020600000000000000" pitchFamily="18" charset="-127"/>
+                <a:latin typeface="Franklin Gothic Heavy" panose="020B0903020102020204" pitchFamily="34" charset="0"/>
                 <a:ea typeface="a가을소풍M" panose="02020600000000000000" pitchFamily="18" charset="-127"/>
               </a:rPr>
               <a:t> </a:t>
@@ -9503,7 +9528,7 @@
                 <a:solidFill>
                   <a:srgbClr val="C00000"/>
                 </a:solidFill>
-                <a:latin typeface="a가을소풍M" panose="02020600000000000000" pitchFamily="18" charset="-127"/>
+                <a:latin typeface="Franklin Gothic Heavy" panose="020B0903020102020204" pitchFamily="34" charset="0"/>
                 <a:ea typeface="a가을소풍M" panose="02020600000000000000" pitchFamily="18" charset="-127"/>
               </a:rPr>
               <a:t>34.3%</a:t>
@@ -9513,7 +9538,7 @@
                 <a:solidFill>
                   <a:schemeClr val="bg1"/>
                 </a:solidFill>
-                <a:latin typeface="a가을소풍M" panose="02020600000000000000" pitchFamily="18" charset="-127"/>
+                <a:latin typeface="Franklin Gothic Heavy" panose="020B0903020102020204" pitchFamily="34" charset="0"/>
                 <a:ea typeface="a가을소풍M" panose="02020600000000000000" pitchFamily="18" charset="-127"/>
               </a:rPr>
               <a:t>를 예상하고 있습니다</a:t>
@@ -9523,7 +9548,7 @@
                 <a:solidFill>
                   <a:schemeClr val="bg1"/>
                 </a:solidFill>
-                <a:latin typeface="a가을소풍M" panose="02020600000000000000" pitchFamily="18" charset="-127"/>
+                <a:latin typeface="Franklin Gothic Heavy" panose="020B0903020102020204" pitchFamily="34" charset="0"/>
                 <a:ea typeface="a가을소풍M" panose="02020600000000000000" pitchFamily="18" charset="-127"/>
               </a:rPr>
               <a:t>.</a:t>
@@ -9533,7 +9558,7 @@
                 <a:solidFill>
                   <a:schemeClr val="bg1"/>
                 </a:solidFill>
-                <a:latin typeface="a가을소풍M" panose="02020600000000000000" pitchFamily="18" charset="-127"/>
+                <a:latin typeface="Franklin Gothic Heavy" panose="020B0903020102020204" pitchFamily="34" charset="0"/>
                 <a:ea typeface="a가을소풍M" panose="02020600000000000000" pitchFamily="18" charset="-127"/>
               </a:rPr>
               <a:t> </a:t>
@@ -9543,7 +9568,7 @@
                 <a:solidFill>
                   <a:schemeClr val="bg1"/>
                 </a:solidFill>
-                <a:latin typeface="a가을소풍M" panose="02020600000000000000" pitchFamily="18" charset="-127"/>
+                <a:latin typeface="Franklin Gothic Heavy" panose="020B0903020102020204" pitchFamily="34" charset="0"/>
                 <a:ea typeface="a가을소풍M" panose="02020600000000000000" pitchFamily="18" charset="-127"/>
               </a:rPr>
               <a:t>1</a:t>
@@ -9553,7 +9578,7 @@
                 <a:solidFill>
                   <a:schemeClr val="bg1"/>
                 </a:solidFill>
-                <a:latin typeface="a가을소풍M" panose="02020600000000000000" pitchFamily="18" charset="-127"/>
+                <a:latin typeface="Franklin Gothic Heavy" panose="020B0903020102020204" pitchFamily="34" charset="0"/>
                 <a:ea typeface="a가을소풍M" panose="02020600000000000000" pitchFamily="18" charset="-127"/>
               </a:rPr>
               <a:t>인 가구는 이제 다가구 분포범위를 추월하면서 소비시장에서 새로운 화두로 떠올랐습니다</a:t>
@@ -9563,7 +9588,7 @@
                 <a:solidFill>
                   <a:schemeClr val="bg1"/>
                 </a:solidFill>
-                <a:latin typeface="a가을소풍M" panose="02020600000000000000" pitchFamily="18" charset="-127"/>
+                <a:latin typeface="Franklin Gothic Heavy" panose="020B0903020102020204" pitchFamily="34" charset="0"/>
                 <a:ea typeface="a가을소풍M" panose="02020600000000000000" pitchFamily="18" charset="-127"/>
               </a:rPr>
               <a:t>.  </a:t>
@@ -9572,7 +9597,7 @@
               <a:solidFill>
                 <a:schemeClr val="bg1"/>
               </a:solidFill>
-              <a:latin typeface="a가을소풍M" panose="02020600000000000000" pitchFamily="18" charset="-127"/>
+              <a:latin typeface="Franklin Gothic Heavy" panose="020B0903020102020204" pitchFamily="34" charset="0"/>
               <a:ea typeface="a가을소풍M" panose="02020600000000000000" pitchFamily="18" charset="-127"/>
             </a:endParaRPr>
           </a:p>
@@ -9626,7 +9651,9 @@
           <a:lstStyle/>
           <a:p>
             <a:pPr algn="ctr"/>
-            <a:endParaRPr lang="ko-KR" altLang="en-US" dirty="0"/>
+            <a:endParaRPr lang="ko-KR" altLang="en-US" dirty="0">
+              <a:latin typeface="Franklin Gothic Heavy" panose="020B0903020102020204" pitchFamily="34" charset="0"/>
+            </a:endParaRPr>
           </a:p>
         </p:txBody>
       </p:sp>
@@ -9723,7 +9750,7 @@
           <a:p>
             <a:pPr algn="ctr"/>
             <a:endParaRPr lang="ko-KR" altLang="en-US" sz="4465" b="1" dirty="0">
-              <a:latin typeface="210 청춘시대 R" panose="02020603020101020101" pitchFamily="18" charset="-127"/>
+              <a:latin typeface="Franklin Gothic Heavy" panose="020B0903020102020204" pitchFamily="34" charset="0"/>
               <a:ea typeface="210 청춘시대 R" panose="02020603020101020101" pitchFamily="18" charset="-127"/>
             </a:endParaRPr>
           </a:p>
@@ -9974,7 +10001,7 @@
                   <a:lumOff val="15000"/>
                 </a:schemeClr>
               </a:solidFill>
-              <a:latin typeface="210 청춘시대 R" panose="02020603020101020101" pitchFamily="18" charset="-127"/>
+              <a:latin typeface="Franklin Gothic Heavy" panose="020B0903020102020204" pitchFamily="34" charset="0"/>
               <a:ea typeface="210 청춘시대 R" panose="02020603020101020101" pitchFamily="18" charset="-127"/>
             </a:endParaRPr>
           </a:p>
@@ -10031,7 +10058,7 @@
                 <a:solidFill>
                   <a:schemeClr val="bg1"/>
                 </a:solidFill>
-                <a:latin typeface="a가을소풍M" panose="02020600000000000000" pitchFamily="18" charset="-127"/>
+                <a:latin typeface="Franklin Gothic Heavy" panose="020B0903020102020204" pitchFamily="34" charset="0"/>
                 <a:ea typeface="a가을소풍M" panose="02020600000000000000" pitchFamily="18" charset="-127"/>
               </a:rPr>
               <a:t>ON-LINE</a:t>
@@ -10040,7 +10067,7 @@
               <a:solidFill>
                 <a:schemeClr val="bg1"/>
               </a:solidFill>
-              <a:latin typeface="a가을소풍M" panose="02020600000000000000" pitchFamily="18" charset="-127"/>
+              <a:latin typeface="Franklin Gothic Heavy" panose="020B0903020102020204" pitchFamily="34" charset="0"/>
               <a:ea typeface="a가을소풍M" panose="02020600000000000000" pitchFamily="18" charset="-127"/>
             </a:endParaRPr>
           </a:p>
@@ -10092,20 +10119,20 @@
             <a:pPr algn="ctr"/>
             <a:r>
               <a:rPr lang="en-US" altLang="ko-KR" sz="3600" dirty="0">
-                <a:latin typeface="a가을소풍M" panose="02020600000000000000" pitchFamily="18" charset="-127"/>
+                <a:latin typeface="Franklin Gothic Heavy" panose="020B0903020102020204" pitchFamily="34" charset="0"/>
                 <a:ea typeface="a가을소풍M" panose="02020600000000000000" pitchFamily="18" charset="-127"/>
               </a:rPr>
               <a:t>1 </a:t>
             </a:r>
             <a:r>
               <a:rPr lang="ko-KR" altLang="en-US" sz="3600" dirty="0" err="1">
-                <a:latin typeface="a가을소풍M" panose="02020600000000000000" pitchFamily="18" charset="-127"/>
+                <a:latin typeface="Franklin Gothic Heavy" panose="020B0903020102020204" pitchFamily="34" charset="0"/>
                 <a:ea typeface="a가을소풍M" panose="02020600000000000000" pitchFamily="18" charset="-127"/>
               </a:rPr>
               <a:t>인가구</a:t>
             </a:r>
             <a:endParaRPr lang="en-US" altLang="ko-KR" sz="3600" dirty="0">
-              <a:latin typeface="a가을소풍M" panose="02020600000000000000" pitchFamily="18" charset="-127"/>
+              <a:latin typeface="Franklin Gothic Heavy" panose="020B0903020102020204" pitchFamily="34" charset="0"/>
               <a:ea typeface="a가을소풍M" panose="02020600000000000000" pitchFamily="18" charset="-127"/>
             </a:endParaRPr>
           </a:p>
@@ -10163,7 +10190,7 @@
           <a:p>
             <a:pPr algn="ctr"/>
             <a:endParaRPr lang="ko-KR" altLang="en-US" sz="1488">
-              <a:latin typeface="210 청춘시대 R" panose="02020603020101020101" pitchFamily="18" charset="-127"/>
+              <a:latin typeface="Franklin Gothic Heavy" panose="020B0903020102020204" pitchFamily="34" charset="0"/>
               <a:ea typeface="210 청춘시대 R" panose="02020603020101020101" pitchFamily="18" charset="-127"/>
             </a:endParaRPr>
           </a:p>
@@ -10204,6 +10231,7 @@
                     <a:lumOff val="35000"/>
                   </a:schemeClr>
                 </a:solidFill>
+                <a:latin typeface="Franklin Gothic Heavy" panose="020B0903020102020204" pitchFamily="34" charset="0"/>
                 <a:ea typeface="210 청춘시대 R" panose="02020603020101020101" pitchFamily="18" charset="-127"/>
               </a:rPr>
               <a:t>강지천뉴</a:t>
@@ -10213,6 +10241,7 @@
                 <a:solidFill>
                   <a:schemeClr val="bg1"/>
                 </a:solidFill>
+                <a:latin typeface="Franklin Gothic Heavy" panose="020B0903020102020204" pitchFamily="34" charset="0"/>
                 <a:ea typeface="210 청춘시대 R" panose="02020603020101020101" pitchFamily="18" charset="-127"/>
               </a:rPr>
               <a:t>스</a:t>
@@ -10221,6 +10250,7 @@
               <a:solidFill>
                 <a:schemeClr val="bg1"/>
               </a:solidFill>
+              <a:latin typeface="Franklin Gothic Heavy" panose="020B0903020102020204" pitchFamily="34" charset="0"/>
             </a:endParaRPr>
           </a:p>
         </p:txBody>
@@ -10256,21 +10286,21 @@
             <a:pPr algn="ctr"/>
             <a:r>
               <a:rPr lang="en-US" altLang="ko-KR" sz="4400" b="1" dirty="0">
-                <a:latin typeface="a가을소풍B" panose="02020600000000000000" pitchFamily="18" charset="-127"/>
+                <a:latin typeface="Franklin Gothic Heavy" panose="020B0903020102020204" pitchFamily="34" charset="0"/>
                 <a:ea typeface="a가을소풍B" panose="02020600000000000000" pitchFamily="18" charset="-127"/>
               </a:rPr>
               <a:t>1</a:t>
             </a:r>
             <a:r>
               <a:rPr lang="ko-KR" altLang="en-US" sz="4400" b="1" dirty="0" err="1">
-                <a:latin typeface="a가을소풍B" panose="02020600000000000000" pitchFamily="18" charset="-127"/>
+                <a:latin typeface="Franklin Gothic Heavy" panose="020B0903020102020204" pitchFamily="34" charset="0"/>
                 <a:ea typeface="a가을소풍B" panose="02020600000000000000" pitchFamily="18" charset="-127"/>
               </a:rPr>
               <a:t>인가구</a:t>
             </a:r>
             <a:r>
               <a:rPr lang="ko-KR" altLang="en-US" sz="4400" b="1" dirty="0">
-                <a:latin typeface="a가을소풍B" panose="02020600000000000000" pitchFamily="18" charset="-127"/>
+                <a:latin typeface="Franklin Gothic Heavy" panose="020B0903020102020204" pitchFamily="34" charset="0"/>
                 <a:ea typeface="a가을소풍B" panose="02020600000000000000" pitchFamily="18" charset="-127"/>
               </a:rPr>
               <a:t> 소비패턴도 </a:t>
@@ -10280,21 +10310,21 @@
                 <a:solidFill>
                   <a:srgbClr val="FFC000"/>
                 </a:solidFill>
-                <a:latin typeface="a가을소풍B" panose="02020600000000000000" pitchFamily="18" charset="-127"/>
+                <a:latin typeface="Franklin Gothic Heavy" panose="020B0903020102020204" pitchFamily="34" charset="0"/>
                 <a:ea typeface="a가을소풍B" panose="02020600000000000000" pitchFamily="18" charset="-127"/>
               </a:rPr>
               <a:t>SOLO</a:t>
             </a:r>
             <a:r>
               <a:rPr lang="ko-KR" altLang="en-US" sz="4400" b="1" dirty="0">
-                <a:latin typeface="a가을소풍B" panose="02020600000000000000" pitchFamily="18" charset="-127"/>
+                <a:latin typeface="Franklin Gothic Heavy" panose="020B0903020102020204" pitchFamily="34" charset="0"/>
                 <a:ea typeface="a가을소풍B" panose="02020600000000000000" pitchFamily="18" charset="-127"/>
               </a:rPr>
               <a:t>다</a:t>
             </a:r>
             <a:r>
               <a:rPr lang="en-US" altLang="ko-KR" sz="4400" b="1" dirty="0">
-                <a:latin typeface="a가을소풍B" panose="02020600000000000000" pitchFamily="18" charset="-127"/>
+                <a:latin typeface="Franklin Gothic Heavy" panose="020B0903020102020204" pitchFamily="34" charset="0"/>
                 <a:ea typeface="a가을소풍B" panose="02020600000000000000" pitchFamily="18" charset="-127"/>
               </a:rPr>
               <a:t>.</a:t>
@@ -10303,7 +10333,7 @@
               <a:solidFill>
                 <a:srgbClr val="FFC000"/>
               </a:solidFill>
-              <a:latin typeface="a가을소풍B" panose="02020600000000000000" pitchFamily="18" charset="-127"/>
+              <a:latin typeface="Franklin Gothic Heavy" panose="020B0903020102020204" pitchFamily="34" charset="0"/>
               <a:ea typeface="a가을소풍B" panose="02020600000000000000" pitchFamily="18" charset="-127"/>
             </a:endParaRPr>
           </a:p>
@@ -10366,7 +10396,7 @@
                 <a:solidFill>
                   <a:schemeClr val="bg1"/>
                 </a:solidFill>
-                <a:latin typeface="a가을소풍M" panose="02020600000000000000" pitchFamily="18" charset="-127"/>
+                <a:latin typeface="Franklin Gothic Heavy" panose="020B0903020102020204" pitchFamily="34" charset="0"/>
                 <a:ea typeface="a가을소풍M" panose="02020600000000000000" pitchFamily="18" charset="-127"/>
               </a:rPr>
               <a:t>OPPORTUNITY</a:t>
@@ -10375,7 +10405,7 @@
               <a:solidFill>
                 <a:schemeClr val="bg1"/>
               </a:solidFill>
-              <a:latin typeface="a가을소풍M" panose="02020600000000000000" pitchFamily="18" charset="-127"/>
+              <a:latin typeface="Franklin Gothic Heavy" panose="020B0903020102020204" pitchFamily="34" charset="0"/>
               <a:ea typeface="a가을소풍M" panose="02020600000000000000" pitchFamily="18" charset="-127"/>
             </a:endParaRPr>
           </a:p>
@@ -10438,7 +10468,7 @@
                 <a:solidFill>
                   <a:schemeClr val="bg1"/>
                 </a:solidFill>
-                <a:latin typeface="a가을소풍M" panose="02020600000000000000" pitchFamily="18" charset="-127"/>
+                <a:latin typeface="Franklin Gothic Heavy" panose="020B0903020102020204" pitchFamily="34" charset="0"/>
                 <a:ea typeface="a가을소풍M" panose="02020600000000000000" pitchFamily="18" charset="-127"/>
               </a:rPr>
               <a:t>LOW-PRICE</a:t>
@@ -10447,7 +10477,7 @@
               <a:solidFill>
                 <a:schemeClr val="bg1"/>
               </a:solidFill>
-              <a:latin typeface="a가을소풍M" panose="02020600000000000000" pitchFamily="18" charset="-127"/>
+              <a:latin typeface="Franklin Gothic Heavy" panose="020B0903020102020204" pitchFamily="34" charset="0"/>
               <a:ea typeface="a가을소풍M" panose="02020600000000000000" pitchFamily="18" charset="-127"/>
             </a:endParaRPr>
           </a:p>
@@ -10510,7 +10540,7 @@
                 <a:solidFill>
                   <a:schemeClr val="bg1"/>
                 </a:solidFill>
-                <a:latin typeface="a가을소풍M" panose="02020600000000000000" pitchFamily="18" charset="-127"/>
+                <a:latin typeface="Franklin Gothic Heavy" panose="020B0903020102020204" pitchFamily="34" charset="0"/>
                 <a:ea typeface="a가을소풍M" panose="02020600000000000000" pitchFamily="18" charset="-127"/>
               </a:rPr>
               <a:t>SMALL</a:t>
@@ -10519,7 +10549,7 @@
               <a:solidFill>
                 <a:schemeClr val="bg1"/>
               </a:solidFill>
-              <a:latin typeface="a가을소풍M" panose="02020600000000000000" pitchFamily="18" charset="-127"/>
+              <a:latin typeface="Franklin Gothic Heavy" panose="020B0903020102020204" pitchFamily="34" charset="0"/>
               <a:ea typeface="a가을소풍M" panose="02020600000000000000" pitchFamily="18" charset="-127"/>
             </a:endParaRPr>
           </a:p>
@@ -10573,7 +10603,9 @@
           <a:lstStyle/>
           <a:p>
             <a:pPr algn="ctr"/>
-            <a:endParaRPr lang="ko-KR" altLang="en-US" dirty="0"/>
+            <a:endParaRPr lang="ko-KR" altLang="en-US" dirty="0">
+              <a:latin typeface="Franklin Gothic Heavy" panose="020B0903020102020204" pitchFamily="34" charset="0"/>
+            </a:endParaRPr>
           </a:p>
         </p:txBody>
       </p:sp>
@@ -10608,62 +10640,62 @@
             <a:pPr algn="just"/>
             <a:r>
               <a:rPr lang="ko-KR" altLang="en-US" sz="2400" dirty="0">
-                <a:latin typeface="a가을소풍M" panose="02020600000000000000" pitchFamily="18" charset="-127"/>
+                <a:latin typeface="Franklin Gothic Heavy" panose="020B0903020102020204" pitchFamily="34" charset="0"/>
                 <a:ea typeface="a가을소풍M" panose="02020600000000000000" pitchFamily="18" charset="-127"/>
               </a:rPr>
               <a:t>소비파워가 강해진 </a:t>
             </a:r>
             <a:r>
               <a:rPr lang="en-US" altLang="ko-KR" sz="2400" dirty="0">
-                <a:latin typeface="a가을소풍M" panose="02020600000000000000" pitchFamily="18" charset="-127"/>
+                <a:latin typeface="Franklin Gothic Heavy" panose="020B0903020102020204" pitchFamily="34" charset="0"/>
                 <a:ea typeface="a가을소풍M" panose="02020600000000000000" pitchFamily="18" charset="-127"/>
               </a:rPr>
               <a:t>1</a:t>
             </a:r>
             <a:r>
               <a:rPr lang="ko-KR" altLang="en-US" sz="2400" dirty="0">
-                <a:latin typeface="a가을소풍M" panose="02020600000000000000" pitchFamily="18" charset="-127"/>
+                <a:latin typeface="Franklin Gothic Heavy" panose="020B0903020102020204" pitchFamily="34" charset="0"/>
                 <a:ea typeface="a가을소풍M" panose="02020600000000000000" pitchFamily="18" charset="-127"/>
               </a:rPr>
               <a:t>인가구는 소비패턴을 크게 네 가지로 구분할 수 있는데요</a:t>
             </a:r>
             <a:r>
               <a:rPr lang="en-US" altLang="ko-KR" sz="2400" dirty="0">
-                <a:latin typeface="a가을소풍M" panose="02020600000000000000" pitchFamily="18" charset="-127"/>
+                <a:latin typeface="Franklin Gothic Heavy" panose="020B0903020102020204" pitchFamily="34" charset="0"/>
                 <a:ea typeface="a가을소풍M" panose="02020600000000000000" pitchFamily="18" charset="-127"/>
               </a:rPr>
               <a:t>. SOLO pattern</a:t>
             </a:r>
             <a:r>
               <a:rPr lang="ko-KR" altLang="en-US" sz="2400" dirty="0">
-                <a:latin typeface="a가을소풍M" panose="02020600000000000000" pitchFamily="18" charset="-127"/>
+                <a:latin typeface="Franklin Gothic Heavy" panose="020B0903020102020204" pitchFamily="34" charset="0"/>
                 <a:ea typeface="a가을소풍M" panose="02020600000000000000" pitchFamily="18" charset="-127"/>
               </a:rPr>
               <a:t>에서 보았을 때 </a:t>
             </a:r>
             <a:r>
               <a:rPr lang="en-US" altLang="ko-KR" sz="2400" dirty="0">
-                <a:latin typeface="a가을소풍M" panose="02020600000000000000" pitchFamily="18" charset="-127"/>
+                <a:latin typeface="Franklin Gothic Heavy" panose="020B0903020102020204" pitchFamily="34" charset="0"/>
                 <a:ea typeface="a가을소풍M" panose="02020600000000000000" pitchFamily="18" charset="-127"/>
               </a:rPr>
               <a:t>1</a:t>
             </a:r>
             <a:r>
               <a:rPr lang="ko-KR" altLang="en-US" sz="2400" dirty="0">
-                <a:latin typeface="a가을소풍M" panose="02020600000000000000" pitchFamily="18" charset="-127"/>
+                <a:latin typeface="Franklin Gothic Heavy" panose="020B0903020102020204" pitchFamily="34" charset="0"/>
                 <a:ea typeface="a가을소풍M" panose="02020600000000000000" pitchFamily="18" charset="-127"/>
               </a:rPr>
               <a:t>인가구는 편리함과 낮은 가격에 민감함을 보이고 있습니다</a:t>
             </a:r>
             <a:r>
               <a:rPr lang="en-US" altLang="ko-KR" sz="2400" dirty="0">
-                <a:latin typeface="a가을소풍M" panose="02020600000000000000" pitchFamily="18" charset="-127"/>
+                <a:latin typeface="Franklin Gothic Heavy" panose="020B0903020102020204" pitchFamily="34" charset="0"/>
                 <a:ea typeface="a가을소풍M" panose="02020600000000000000" pitchFamily="18" charset="-127"/>
               </a:rPr>
               <a:t>. </a:t>
             </a:r>
             <a:endParaRPr lang="ko-KR" altLang="en-US" sz="2400" dirty="0">
-              <a:latin typeface="a가을소풍M" panose="02020600000000000000" pitchFamily="18" charset="-127"/>
+              <a:latin typeface="Franklin Gothic Heavy" panose="020B0903020102020204" pitchFamily="34" charset="0"/>
               <a:ea typeface="a가을소풍M" panose="02020600000000000000" pitchFamily="18" charset="-127"/>
             </a:endParaRPr>
           </a:p>
@@ -10756,7 +10788,9 @@
           <a:lstStyle/>
           <a:p>
             <a:pPr algn="ctr"/>
-            <a:endParaRPr lang="ko-KR" altLang="en-US" dirty="0"/>
+            <a:endParaRPr lang="ko-KR" altLang="en-US" dirty="0">
+              <a:latin typeface="Franklin Gothic Heavy" panose="020B0903020102020204" pitchFamily="34" charset="0"/>
+            </a:endParaRPr>
           </a:p>
         </p:txBody>
       </p:sp>
@@ -10813,7 +10847,7 @@
           <a:p>
             <a:pPr algn="ctr"/>
             <a:endParaRPr lang="ko-KR" altLang="en-US" sz="4465" b="1" dirty="0">
-              <a:latin typeface="210 청춘시대 R" panose="02020603020101020101" pitchFamily="18" charset="-127"/>
+              <a:latin typeface="Franklin Gothic Heavy" panose="020B0903020102020204" pitchFamily="34" charset="0"/>
               <a:ea typeface="210 청춘시대 R" panose="02020603020101020101" pitchFamily="18" charset="-127"/>
             </a:endParaRPr>
           </a:p>
@@ -10850,27 +10884,27 @@
             <a:pPr algn="ctr"/>
             <a:r>
               <a:rPr lang="ko-KR" altLang="en-US" sz="2800" b="1" dirty="0">
-                <a:latin typeface="a가을소풍B" panose="02020600000000000000" pitchFamily="18" charset="-127"/>
+                <a:latin typeface="Franklin Gothic Heavy" panose="020B0903020102020204" pitchFamily="34" charset="0"/>
                 <a:ea typeface="a가을소풍B" panose="02020600000000000000" pitchFamily="18" charset="-127"/>
               </a:rPr>
               <a:t>이런 상황에서</a:t>
             </a:r>
             <a:r>
               <a:rPr lang="en-US" altLang="ko-KR" sz="2800" b="1" dirty="0">
-                <a:latin typeface="a가을소풍B" panose="02020600000000000000" pitchFamily="18" charset="-127"/>
+                <a:latin typeface="Franklin Gothic Heavy" panose="020B0903020102020204" pitchFamily="34" charset="0"/>
                 <a:ea typeface="a가을소풍B" panose="02020600000000000000" pitchFamily="18" charset="-127"/>
               </a:rPr>
               <a:t> </a:t>
             </a:r>
             <a:r>
               <a:rPr lang="ko-KR" altLang="en-US" sz="2800" b="1" dirty="0">
-                <a:latin typeface="a가을소풍B" panose="02020600000000000000" pitchFamily="18" charset="-127"/>
+                <a:latin typeface="Franklin Gothic Heavy" panose="020B0903020102020204" pitchFamily="34" charset="0"/>
                 <a:ea typeface="a가을소풍B" panose="02020600000000000000" pitchFamily="18" charset="-127"/>
               </a:rPr>
               <a:t>기업들의 </a:t>
             </a:r>
             <a:endParaRPr lang="en-US" altLang="ko-KR" sz="2800" b="1" dirty="0">
-              <a:latin typeface="a가을소풍B" panose="02020600000000000000" pitchFamily="18" charset="-127"/>
+              <a:latin typeface="Franklin Gothic Heavy" panose="020B0903020102020204" pitchFamily="34" charset="0"/>
               <a:ea typeface="a가을소풍B" panose="02020600000000000000" pitchFamily="18" charset="-127"/>
             </a:endParaRPr>
           </a:p>
@@ -10881,20 +10915,20 @@
                 <a:solidFill>
                   <a:srgbClr val="FFC000"/>
                 </a:solidFill>
-                <a:latin typeface="a가을소풍B" panose="02020600000000000000" pitchFamily="18" charset="-127"/>
+                <a:latin typeface="Franklin Gothic Heavy" panose="020B0903020102020204" pitchFamily="34" charset="0"/>
                 <a:ea typeface="a가을소풍B" panose="02020600000000000000" pitchFamily="18" charset="-127"/>
               </a:rPr>
               <a:t>전략사례</a:t>
             </a:r>
             <a:r>
               <a:rPr lang="ko-KR" altLang="en-US" sz="2800" b="1" dirty="0">
-                <a:latin typeface="a가을소풍B" panose="02020600000000000000" pitchFamily="18" charset="-127"/>
+                <a:latin typeface="Franklin Gothic Heavy" panose="020B0903020102020204" pitchFamily="34" charset="0"/>
                 <a:ea typeface="a가을소풍B" panose="02020600000000000000" pitchFamily="18" charset="-127"/>
               </a:rPr>
               <a:t>를 알아보자</a:t>
             </a:r>
             <a:endParaRPr lang="en-US" altLang="ko-KR" sz="2800" b="1" dirty="0">
-              <a:latin typeface="a가을소풍B" panose="02020600000000000000" pitchFamily="18" charset="-127"/>
+              <a:latin typeface="Franklin Gothic Heavy" panose="020B0903020102020204" pitchFamily="34" charset="0"/>
               <a:ea typeface="a가을소풍B" panose="02020600000000000000" pitchFamily="18" charset="-127"/>
             </a:endParaRPr>
           </a:p>
@@ -10948,7 +10982,9 @@
           <a:lstStyle/>
           <a:p>
             <a:pPr algn="ctr"/>
-            <a:endParaRPr lang="ko-KR" altLang="en-US" dirty="0"/>
+            <a:endParaRPr lang="ko-KR" altLang="en-US" dirty="0">
+              <a:latin typeface="Franklin Gothic Heavy" panose="020B0903020102020204" pitchFamily="34" charset="0"/>
+            </a:endParaRPr>
           </a:p>
         </p:txBody>
       </p:sp>
@@ -11001,7 +11037,7 @@
           <a:p>
             <a:pPr algn="ctr"/>
             <a:endParaRPr lang="ko-KR" altLang="en-US" sz="1488">
-              <a:latin typeface="210 청춘시대 R" panose="02020603020101020101" pitchFamily="18" charset="-127"/>
+              <a:latin typeface="Franklin Gothic Heavy" panose="020B0903020102020204" pitchFamily="34" charset="0"/>
               <a:ea typeface="210 청춘시대 R" panose="02020603020101020101" pitchFamily="18" charset="-127"/>
             </a:endParaRPr>
           </a:p>
@@ -11036,6 +11072,7 @@
           <a:p>
             <a:r>
               <a:rPr lang="ko-KR" altLang="en-US" sz="2400" b="1" dirty="0">
+                <a:latin typeface="Franklin Gothic Heavy" panose="020B0903020102020204" pitchFamily="34" charset="0"/>
                 <a:ea typeface="210 청춘시대 R" panose="02020603020101020101" pitchFamily="18" charset="-127"/>
               </a:rPr>
               <a:t>강지천뉴</a:t>
@@ -11045,6 +11082,7 @@
                 <a:solidFill>
                   <a:schemeClr val="bg1"/>
                 </a:solidFill>
+                <a:latin typeface="Franklin Gothic Heavy" panose="020B0903020102020204" pitchFamily="34" charset="0"/>
                 <a:ea typeface="210 청춘시대 R" panose="02020603020101020101" pitchFamily="18" charset="-127"/>
               </a:rPr>
               <a:t>스</a:t>
@@ -11053,6 +11091,7 @@
               <a:solidFill>
                 <a:schemeClr val="bg1"/>
               </a:solidFill>
+              <a:latin typeface="Franklin Gothic Heavy" panose="020B0903020102020204" pitchFamily="34" charset="0"/>
             </a:endParaRPr>
           </a:p>
         </p:txBody>
@@ -11149,7 +11188,9 @@
           <a:lstStyle/>
           <a:p>
             <a:pPr algn="ctr"/>
-            <a:endParaRPr lang="ko-KR" altLang="en-US"/>
+            <a:endParaRPr lang="ko-KR" altLang="en-US">
+              <a:latin typeface="Franklin Gothic Heavy" panose="020B0903020102020204" pitchFamily="34" charset="0"/>
+            </a:endParaRPr>
           </a:p>
         </p:txBody>
       </p:sp>
@@ -11206,184 +11247,7 @@
           <a:p>
             <a:pPr algn="ctr"/>
             <a:endParaRPr lang="ko-KR" altLang="en-US" sz="4465" b="1" dirty="0">
-              <a:latin typeface="210 청춘시대 R" panose="02020603020101020101" pitchFamily="18" charset="-127"/>
-              <a:ea typeface="210 청춘시대 R" panose="02020603020101020101" pitchFamily="18" charset="-127"/>
-            </a:endParaRPr>
-          </a:p>
-        </p:txBody>
-      </p:sp>
-      <p:sp>
-        <p:nvSpPr>
-          <p:cNvPr id="2" name="TextBox 1"/>
-          <p:cNvSpPr txBox="1"/>
-          <p:nvPr/>
-        </p:nvSpPr>
-        <p:spPr>
-          <a:xfrm>
-            <a:off x="9052938" y="5398773"/>
-            <a:ext cx="2666114" cy="440570"/>
-          </a:xfrm>
-          <a:prstGeom prst="rect">
-            <a:avLst/>
-          </a:prstGeom>
-          <a:noFill/>
-        </p:spPr>
-        <p:txBody>
-          <a:bodyPr wrap="none" rtlCol="0">
-            <a:spAutoFit/>
-          </a:bodyPr>
-          <a:lstStyle/>
-          <a:p>
-            <a:r>
-              <a:rPr lang="en-US" altLang="ko-KR" sz="2263" dirty="0">
-                <a:solidFill>
-                  <a:schemeClr val="tx1">
-                    <a:lumMod val="65000"/>
-                    <a:lumOff val="35000"/>
-                  </a:schemeClr>
-                </a:solidFill>
-                <a:latin typeface="210 청춘시대 R" panose="02020603020101020101" pitchFamily="18" charset="-127"/>
-                <a:ea typeface="210 청춘시대 R" panose="02020603020101020101" pitchFamily="18" charset="-127"/>
-              </a:rPr>
-              <a:t>1-5. </a:t>
-            </a:r>
-            <a:r>
-              <a:rPr lang="ko-KR" altLang="en-US" sz="2263" dirty="0">
-                <a:solidFill>
-                  <a:schemeClr val="tx1">
-                    <a:lumMod val="65000"/>
-                    <a:lumOff val="35000"/>
-                  </a:schemeClr>
-                </a:solidFill>
-                <a:latin typeface="210 청춘시대 R" panose="02020603020101020101" pitchFamily="18" charset="-127"/>
-                <a:ea typeface="210 청춘시대 R" panose="02020603020101020101" pitchFamily="18" charset="-127"/>
-              </a:rPr>
-              <a:t>편의점 </a:t>
-            </a:r>
-            <a:r>
-              <a:rPr lang="en-US" altLang="ko-KR" sz="2263" dirty="0">
-                <a:solidFill>
-                  <a:schemeClr val="tx1">
-                    <a:lumMod val="65000"/>
-                    <a:lumOff val="35000"/>
-                  </a:schemeClr>
-                </a:solidFill>
-                <a:latin typeface="210 청춘시대 R" panose="02020603020101020101" pitchFamily="18" charset="-127"/>
-                <a:ea typeface="210 청춘시대 R" panose="02020603020101020101" pitchFamily="18" charset="-127"/>
-              </a:rPr>
-              <a:t>BIG3</a:t>
-            </a:r>
-            <a:r>
-              <a:rPr lang="ko-KR" altLang="en-US" sz="2263" dirty="0">
-                <a:solidFill>
-                  <a:schemeClr val="tx1">
-                    <a:lumMod val="65000"/>
-                    <a:lumOff val="35000"/>
-                  </a:schemeClr>
-                </a:solidFill>
-                <a:latin typeface="210 청춘시대 R" panose="02020603020101020101" pitchFamily="18" charset="-127"/>
-                <a:ea typeface="210 청춘시대 R" panose="02020603020101020101" pitchFamily="18" charset="-127"/>
-              </a:rPr>
-              <a:t>　</a:t>
-            </a:r>
-            <a:endParaRPr lang="en-US" altLang="ko-KR" sz="2263" dirty="0">
-              <a:solidFill>
-                <a:schemeClr val="tx1">
-                  <a:lumMod val="65000"/>
-                  <a:lumOff val="35000"/>
-                </a:schemeClr>
-              </a:solidFill>
-              <a:latin typeface="210 청춘시대 R" panose="02020603020101020101" pitchFamily="18" charset="-127"/>
-              <a:ea typeface="210 청춘시대 R" panose="02020603020101020101" pitchFamily="18" charset="-127"/>
-            </a:endParaRPr>
-          </a:p>
-        </p:txBody>
-      </p:sp>
-      <p:cxnSp>
-        <p:nvCxnSpPr>
-          <p:cNvPr id="20" name="직선 연결선 19"/>
-          <p:cNvCxnSpPr/>
-          <p:nvPr/>
-        </p:nvCxnSpPr>
-        <p:spPr>
-          <a:xfrm>
-            <a:off x="9235981" y="10112980"/>
-            <a:ext cx="6371220" cy="0"/>
-          </a:xfrm>
-          <a:prstGeom prst="line">
-            <a:avLst/>
-          </a:prstGeom>
-          <a:ln w="9525">
-            <a:solidFill>
-              <a:schemeClr val="tx1">
-                <a:lumMod val="75000"/>
-                <a:lumOff val="25000"/>
-              </a:schemeClr>
-            </a:solidFill>
-          </a:ln>
-        </p:spPr>
-        <p:style>
-          <a:lnRef idx="1">
-            <a:schemeClr val="accent1"/>
-          </a:lnRef>
-          <a:fillRef idx="0">
-            <a:schemeClr val="accent1"/>
-          </a:fillRef>
-          <a:effectRef idx="0">
-            <a:schemeClr val="accent1"/>
-          </a:effectRef>
-          <a:fontRef idx="minor">
-            <a:schemeClr val="tx1"/>
-          </a:fontRef>
-        </p:style>
-      </p:cxnSp>
-      <p:sp>
-        <p:nvSpPr>
-          <p:cNvPr id="24" name="오각형 23"/>
-          <p:cNvSpPr/>
-          <p:nvPr/>
-        </p:nvSpPr>
-        <p:spPr>
-          <a:xfrm rot="5400000">
-            <a:off x="15382977" y="5074375"/>
-            <a:ext cx="595375" cy="595375"/>
-          </a:xfrm>
-          <a:prstGeom prst="homePlate">
-            <a:avLst/>
-          </a:prstGeom>
-          <a:solidFill>
-            <a:schemeClr val="tx1">
-              <a:lumMod val="75000"/>
-              <a:lumOff val="25000"/>
-            </a:schemeClr>
-          </a:solidFill>
-          <a:ln>
-            <a:noFill/>
-          </a:ln>
-        </p:spPr>
-        <p:style>
-          <a:lnRef idx="2">
-            <a:schemeClr val="accent1">
-              <a:shade val="50000"/>
-            </a:schemeClr>
-          </a:lnRef>
-          <a:fillRef idx="1">
-            <a:schemeClr val="accent1"/>
-          </a:fillRef>
-          <a:effectRef idx="0">
-            <a:schemeClr val="accent1"/>
-          </a:effectRef>
-          <a:fontRef idx="minor">
-            <a:schemeClr val="lt1"/>
-          </a:fontRef>
-        </p:style>
-        <p:txBody>
-          <a:bodyPr rtlCol="0" anchor="ctr"/>
-          <a:lstStyle/>
-          <a:p>
-            <a:pPr algn="ctr"/>
-            <a:endParaRPr lang="ko-KR" altLang="en-US" sz="1488">
-              <a:latin typeface="210 청춘시대 R" panose="02020603020101020101" pitchFamily="18" charset="-127"/>
+              <a:latin typeface="Franklin Gothic Heavy" panose="020B0903020102020204" pitchFamily="34" charset="0"/>
               <a:ea typeface="210 청춘시대 R" panose="02020603020101020101" pitchFamily="18" charset="-127"/>
             </a:endParaRPr>
           </a:p>
@@ -11529,7 +11393,7 @@
                     <a:lumOff val="40000"/>
                   </a:schemeClr>
                 </a:solidFill>
-                <a:latin typeface="210 청춘시대 R" panose="02020603020101020101" pitchFamily="18" charset="-127"/>
+                <a:latin typeface="Franklin Gothic Heavy" panose="020B0903020102020204" pitchFamily="34" charset="0"/>
                 <a:ea typeface="210 청춘시대 R" panose="02020603020101020101" pitchFamily="18" charset="-127"/>
               </a:rPr>
               <a:t>혼</a:t>
@@ -11542,7 +11406,7 @@
                     <a:lumOff val="40000"/>
                   </a:schemeClr>
                 </a:solidFill>
-                <a:latin typeface="210 청춘시대 R" panose="02020603020101020101" pitchFamily="18" charset="-127"/>
+                <a:latin typeface="Franklin Gothic Heavy" panose="020B0903020102020204" pitchFamily="34" charset="0"/>
                 <a:ea typeface="210 청춘시대 R" panose="02020603020101020101" pitchFamily="18" charset="-127"/>
               </a:rPr>
               <a:t>/</a:t>
@@ -11555,7 +11419,7 @@
                     <a:lumOff val="40000"/>
                   </a:schemeClr>
                 </a:solidFill>
-                <a:latin typeface="210 청춘시대 R" panose="02020603020101020101" pitchFamily="18" charset="-127"/>
+                <a:latin typeface="Franklin Gothic Heavy" panose="020B0903020102020204" pitchFamily="34" charset="0"/>
                 <a:ea typeface="210 청춘시대 R" panose="02020603020101020101" pitchFamily="18" charset="-127"/>
               </a:rPr>
               <a:t>밥</a:t>
@@ -11568,7 +11432,7 @@
                     <a:lumOff val="40000"/>
                   </a:schemeClr>
                 </a:solidFill>
-                <a:latin typeface="210 청춘시대 R" panose="02020603020101020101" pitchFamily="18" charset="-127"/>
+                <a:latin typeface="Franklin Gothic Heavy" panose="020B0903020102020204" pitchFamily="34" charset="0"/>
                 <a:ea typeface="210 청춘시대 R" panose="02020603020101020101" pitchFamily="18" charset="-127"/>
               </a:rPr>
               <a:t>/</a:t>
@@ -11581,7 +11445,7 @@
                     <a:lumOff val="40000"/>
                   </a:schemeClr>
                 </a:solidFill>
-                <a:latin typeface="210 청춘시대 R" panose="02020603020101020101" pitchFamily="18" charset="-127"/>
+                <a:latin typeface="Franklin Gothic Heavy" panose="020B0903020102020204" pitchFamily="34" charset="0"/>
                 <a:ea typeface="210 청춘시대 R" panose="02020603020101020101" pitchFamily="18" charset="-127"/>
               </a:rPr>
               <a:t>족</a:t>
@@ -11625,7 +11489,7 @@
                     <a:lumOff val="25000"/>
                   </a:schemeClr>
                 </a:solidFill>
-                <a:latin typeface="210 청춘시대 R" panose="02020603020101020101" pitchFamily="18" charset="-127"/>
+                <a:latin typeface="Franklin Gothic Heavy" panose="020B0903020102020204" pitchFamily="34" charset="0"/>
                 <a:ea typeface="210 청춘시대 R" panose="02020603020101020101" pitchFamily="18" charset="-127"/>
               </a:rPr>
               <a:t>혼자</a:t>
@@ -11669,7 +11533,7 @@
                     <a:lumOff val="25000"/>
                   </a:schemeClr>
                 </a:solidFill>
-                <a:latin typeface="210 청춘시대 R" panose="02020603020101020101" pitchFamily="18" charset="-127"/>
+                <a:latin typeface="Franklin Gothic Heavy" panose="020B0903020102020204" pitchFamily="34" charset="0"/>
                 <a:ea typeface="210 청춘시대 R" panose="02020603020101020101" pitchFamily="18" charset="-127"/>
               </a:rPr>
               <a:t>밥을 먹는</a:t>
@@ -11713,7 +11577,7 @@
                     <a:lumOff val="25000"/>
                   </a:schemeClr>
                 </a:solidFill>
-                <a:latin typeface="210 청춘시대 R" panose="02020603020101020101" pitchFamily="18" charset="-127"/>
+                <a:latin typeface="Franklin Gothic Heavy" panose="020B0903020102020204" pitchFamily="34" charset="0"/>
                 <a:ea typeface="210 청춘시대 R" panose="02020603020101020101" pitchFamily="18" charset="-127"/>
               </a:rPr>
               <a:t>사람들</a:t>
@@ -11757,7 +11621,7 @@
                     <a:lumOff val="60000"/>
                   </a:schemeClr>
                 </a:solidFill>
-                <a:latin typeface="210 청춘시대 R" panose="02020603020101020101" pitchFamily="18" charset="-127"/>
+                <a:latin typeface="Franklin Gothic Heavy" panose="020B0903020102020204" pitchFamily="34" charset="0"/>
                 <a:ea typeface="210 청춘시대 R" panose="02020603020101020101" pitchFamily="18" charset="-127"/>
               </a:rPr>
               <a:t>편</a:t>
@@ -11770,7 +11634,7 @@
                     <a:lumOff val="60000"/>
                   </a:schemeClr>
                 </a:solidFill>
-                <a:latin typeface="210 청춘시대 R" panose="02020603020101020101" pitchFamily="18" charset="-127"/>
+                <a:latin typeface="Franklin Gothic Heavy" panose="020B0903020102020204" pitchFamily="34" charset="0"/>
                 <a:ea typeface="210 청춘시대 R" panose="02020603020101020101" pitchFamily="18" charset="-127"/>
               </a:rPr>
               <a:t>/</a:t>
@@ -11783,7 +11647,7 @@
                     <a:lumOff val="60000"/>
                   </a:schemeClr>
                 </a:solidFill>
-                <a:latin typeface="210 청춘시대 R" panose="02020603020101020101" pitchFamily="18" charset="-127"/>
+                <a:latin typeface="Franklin Gothic Heavy" panose="020B0903020102020204" pitchFamily="34" charset="0"/>
                 <a:ea typeface="210 청춘시대 R" panose="02020603020101020101" pitchFamily="18" charset="-127"/>
               </a:rPr>
               <a:t>도</a:t>
@@ -11796,7 +11660,7 @@
                     <a:lumOff val="60000"/>
                   </a:schemeClr>
                 </a:solidFill>
-                <a:latin typeface="210 청춘시대 R" panose="02020603020101020101" pitchFamily="18" charset="-127"/>
+                <a:latin typeface="Franklin Gothic Heavy" panose="020B0903020102020204" pitchFamily="34" charset="0"/>
                 <a:ea typeface="210 청춘시대 R" panose="02020603020101020101" pitchFamily="18" charset="-127"/>
               </a:rPr>
               <a:t>/</a:t>
@@ -11809,7 +11673,7 @@
                     <a:lumOff val="60000"/>
                   </a:schemeClr>
                 </a:solidFill>
-                <a:latin typeface="210 청춘시대 R" panose="02020603020101020101" pitchFamily="18" charset="-127"/>
+                <a:latin typeface="Franklin Gothic Heavy" panose="020B0903020102020204" pitchFamily="34" charset="0"/>
                 <a:ea typeface="210 청춘시대 R" panose="02020603020101020101" pitchFamily="18" charset="-127"/>
               </a:rPr>
               <a:t>족</a:t>
@@ -11853,7 +11717,7 @@
                     <a:lumOff val="25000"/>
                   </a:schemeClr>
                 </a:solidFill>
-                <a:latin typeface="210 청춘시대 R" panose="02020603020101020101" pitchFamily="18" charset="-127"/>
+                <a:latin typeface="Franklin Gothic Heavy" panose="020B0903020102020204" pitchFamily="34" charset="0"/>
                 <a:ea typeface="210 청춘시대 R" panose="02020603020101020101" pitchFamily="18" charset="-127"/>
               </a:rPr>
               <a:t>편의점</a:t>
@@ -11897,7 +11761,7 @@
                     <a:lumOff val="25000"/>
                   </a:schemeClr>
                 </a:solidFill>
-                <a:latin typeface="210 청춘시대 R" panose="02020603020101020101" pitchFamily="18" charset="-127"/>
+                <a:latin typeface="Franklin Gothic Heavy" panose="020B0903020102020204" pitchFamily="34" charset="0"/>
                 <a:ea typeface="210 청춘시대 R" panose="02020603020101020101" pitchFamily="18" charset="-127"/>
               </a:rPr>
               <a:t>도시락을 먹는</a:t>
@@ -11941,7 +11805,7 @@
                     <a:lumOff val="25000"/>
                   </a:schemeClr>
                 </a:solidFill>
-                <a:latin typeface="210 청춘시대 R" panose="02020603020101020101" pitchFamily="18" charset="-127"/>
+                <a:latin typeface="Franklin Gothic Heavy" panose="020B0903020102020204" pitchFamily="34" charset="0"/>
                 <a:ea typeface="210 청춘시대 R" panose="02020603020101020101" pitchFamily="18" charset="-127"/>
               </a:rPr>
               <a:t>사람들</a:t>
@@ -12004,6 +11868,7 @@
                   <a:lumOff val="40000"/>
                 </a:schemeClr>
               </a:solidFill>
+              <a:latin typeface="Franklin Gothic Heavy" panose="020B0903020102020204" pitchFamily="34" charset="0"/>
             </a:endParaRPr>
           </a:p>
         </p:txBody>
@@ -12043,6 +11908,7 @@
                     <a:lumOff val="40000"/>
                   </a:schemeClr>
                 </a:solidFill>
+                <a:latin typeface="Franklin Gothic Heavy" panose="020B0903020102020204" pitchFamily="34" charset="0"/>
                 <a:ea typeface="210 청춘시대 R" panose="02020603020101020101" pitchFamily="18" charset="-127"/>
               </a:rPr>
               <a:t>강지천뉴</a:t>
@@ -12052,6 +11918,7 @@
                 <a:solidFill>
                   <a:schemeClr val="bg1"/>
                 </a:solidFill>
+                <a:latin typeface="Franklin Gothic Heavy" panose="020B0903020102020204" pitchFamily="34" charset="0"/>
                 <a:ea typeface="210 청춘시대 R" panose="02020603020101020101" pitchFamily="18" charset="-127"/>
               </a:rPr>
               <a:t>스</a:t>
@@ -12060,6 +11927,7 @@
               <a:solidFill>
                 <a:schemeClr val="bg1"/>
               </a:solidFill>
+              <a:latin typeface="Franklin Gothic Heavy" panose="020B0903020102020204" pitchFamily="34" charset="0"/>
             </a:endParaRPr>
           </a:p>
         </p:txBody>
@@ -12097,7 +11965,7 @@
                 <a:solidFill>
                   <a:schemeClr val="bg1"/>
                 </a:solidFill>
-                <a:latin typeface="a가을소풍B" panose="02020600000000000000" pitchFamily="18" charset="-127"/>
+                <a:latin typeface="Franklin Gothic Heavy" panose="020B0903020102020204" pitchFamily="34" charset="0"/>
                 <a:ea typeface="a가을소풍B" panose="02020600000000000000" pitchFamily="18" charset="-127"/>
               </a:rPr>
               <a:t>편의점 </a:t>
@@ -12107,7 +11975,7 @@
                 <a:solidFill>
                   <a:schemeClr val="bg1"/>
                 </a:solidFill>
-                <a:latin typeface="a가을소풍B" panose="02020600000000000000" pitchFamily="18" charset="-127"/>
+                <a:latin typeface="Franklin Gothic Heavy" panose="020B0903020102020204" pitchFamily="34" charset="0"/>
                 <a:ea typeface="a가을소풍B" panose="02020600000000000000" pitchFamily="18" charset="-127"/>
               </a:rPr>
               <a:t>BIG3 </a:t>
@@ -12117,7 +11985,7 @@
                 <a:solidFill>
                   <a:schemeClr val="bg1"/>
                 </a:solidFill>
-                <a:latin typeface="a가을소풍B" panose="02020600000000000000" pitchFamily="18" charset="-127"/>
+                <a:latin typeface="Franklin Gothic Heavy" panose="020B0903020102020204" pitchFamily="34" charset="0"/>
                 <a:ea typeface="a가을소풍B" panose="02020600000000000000" pitchFamily="18" charset="-127"/>
               </a:rPr>
               <a:t>도시락을</a:t>
@@ -12126,7 +11994,7 @@
               <a:solidFill>
                 <a:schemeClr val="bg1"/>
               </a:solidFill>
-              <a:latin typeface="a가을소풍B" panose="02020600000000000000" pitchFamily="18" charset="-127"/>
+              <a:latin typeface="Franklin Gothic Heavy" panose="020B0903020102020204" pitchFamily="34" charset="0"/>
               <a:ea typeface="a가을소풍B" panose="02020600000000000000" pitchFamily="18" charset="-127"/>
             </a:endParaRPr>
           </a:p>
@@ -12136,7 +12004,7 @@
                 <a:solidFill>
                   <a:schemeClr val="bg1"/>
                 </a:solidFill>
-                <a:latin typeface="a가을소풍B" panose="02020600000000000000" pitchFamily="18" charset="-127"/>
+                <a:latin typeface="Franklin Gothic Heavy" panose="020B0903020102020204" pitchFamily="34" charset="0"/>
                 <a:ea typeface="a가을소풍B" panose="02020600000000000000" pitchFamily="18" charset="-127"/>
               </a:rPr>
               <a:t>내세워 </a:t>
@@ -12146,7 +12014,7 @@
                 <a:solidFill>
                   <a:schemeClr val="bg1"/>
                 </a:solidFill>
-                <a:latin typeface="a가을소풍B" panose="02020600000000000000" pitchFamily="18" charset="-127"/>
+                <a:latin typeface="Franklin Gothic Heavy" panose="020B0903020102020204" pitchFamily="34" charset="0"/>
                 <a:ea typeface="a가을소풍B" panose="02020600000000000000" pitchFamily="18" charset="-127"/>
               </a:rPr>
               <a:t>혼밥족</a:t>
@@ -12156,7 +12024,7 @@
                 <a:solidFill>
                   <a:schemeClr val="bg1"/>
                 </a:solidFill>
-                <a:latin typeface="a가을소풍B" panose="02020600000000000000" pitchFamily="18" charset="-127"/>
+                <a:latin typeface="Franklin Gothic Heavy" panose="020B0903020102020204" pitchFamily="34" charset="0"/>
                 <a:ea typeface="a가을소풍B" panose="02020600000000000000" pitchFamily="18" charset="-127"/>
               </a:rPr>
               <a:t>, </a:t>
@@ -12166,7 +12034,7 @@
                 <a:solidFill>
                   <a:schemeClr val="bg1"/>
                 </a:solidFill>
-                <a:latin typeface="a가을소풍B" panose="02020600000000000000" pitchFamily="18" charset="-127"/>
+                <a:latin typeface="Franklin Gothic Heavy" panose="020B0903020102020204" pitchFamily="34" charset="0"/>
                 <a:ea typeface="a가을소풍B" panose="02020600000000000000" pitchFamily="18" charset="-127"/>
               </a:rPr>
               <a:t>편도족의</a:t>
@@ -12175,7 +12043,7 @@
               <a:solidFill>
                 <a:schemeClr val="bg1"/>
               </a:solidFill>
-              <a:latin typeface="a가을소풍B" panose="02020600000000000000" pitchFamily="18" charset="-127"/>
+              <a:latin typeface="Franklin Gothic Heavy" panose="020B0903020102020204" pitchFamily="34" charset="0"/>
               <a:ea typeface="a가을소풍B" panose="02020600000000000000" pitchFamily="18" charset="-127"/>
             </a:endParaRPr>
           </a:p>
@@ -12185,7 +12053,7 @@
                 <a:solidFill>
                   <a:srgbClr val="FFC000"/>
                 </a:solidFill>
-                <a:latin typeface="a가을소풍B" panose="02020600000000000000" pitchFamily="18" charset="-127"/>
+                <a:latin typeface="Franklin Gothic Heavy" panose="020B0903020102020204" pitchFamily="34" charset="0"/>
                 <a:ea typeface="a가을소풍B" panose="02020600000000000000" pitchFamily="18" charset="-127"/>
               </a:rPr>
               <a:t>메카</a:t>
@@ -12195,7 +12063,7 @@
                 <a:solidFill>
                   <a:schemeClr val="bg1"/>
                 </a:solidFill>
-                <a:latin typeface="a가을소풍B" panose="02020600000000000000" pitchFamily="18" charset="-127"/>
+                <a:latin typeface="Franklin Gothic Heavy" panose="020B0903020102020204" pitchFamily="34" charset="0"/>
                 <a:ea typeface="a가을소풍B" panose="02020600000000000000" pitchFamily="18" charset="-127"/>
               </a:rPr>
               <a:t>가 되다</a:t>
@@ -12205,7 +12073,7 @@
                 <a:solidFill>
                   <a:schemeClr val="bg1"/>
                 </a:solidFill>
-                <a:latin typeface="a가을소풍B" panose="02020600000000000000" pitchFamily="18" charset="-127"/>
+                <a:latin typeface="Franklin Gothic Heavy" panose="020B0903020102020204" pitchFamily="34" charset="0"/>
                 <a:ea typeface="a가을소풍B" panose="02020600000000000000" pitchFamily="18" charset="-127"/>
               </a:rPr>
               <a:t>.</a:t>
@@ -12289,96 +12157,6 @@
           <a:chExt cx="0" cy="0"/>
         </a:xfrm>
       </p:grpSpPr>
-      <p:cxnSp>
-        <p:nvCxnSpPr>
-          <p:cNvPr id="20" name="직선 연결선 19"/>
-          <p:cNvCxnSpPr/>
-          <p:nvPr/>
-        </p:nvCxnSpPr>
-        <p:spPr>
-          <a:xfrm>
-            <a:off x="9235981" y="10112980"/>
-            <a:ext cx="6371220" cy="0"/>
-          </a:xfrm>
-          <a:prstGeom prst="line">
-            <a:avLst/>
-          </a:prstGeom>
-          <a:ln w="9525">
-            <a:solidFill>
-              <a:schemeClr val="tx1">
-                <a:lumMod val="75000"/>
-                <a:lumOff val="25000"/>
-              </a:schemeClr>
-            </a:solidFill>
-          </a:ln>
-        </p:spPr>
-        <p:style>
-          <a:lnRef idx="1">
-            <a:schemeClr val="accent1"/>
-          </a:lnRef>
-          <a:fillRef idx="0">
-            <a:schemeClr val="accent1"/>
-          </a:fillRef>
-          <a:effectRef idx="0">
-            <a:schemeClr val="accent1"/>
-          </a:effectRef>
-          <a:fontRef idx="minor">
-            <a:schemeClr val="tx1"/>
-          </a:fontRef>
-        </p:style>
-      </p:cxnSp>
-      <p:sp>
-        <p:nvSpPr>
-          <p:cNvPr id="24" name="오각형 23"/>
-          <p:cNvSpPr/>
-          <p:nvPr/>
-        </p:nvSpPr>
-        <p:spPr>
-          <a:xfrm rot="5400000">
-            <a:off x="15382977" y="5074375"/>
-            <a:ext cx="595375" cy="595375"/>
-          </a:xfrm>
-          <a:prstGeom prst="homePlate">
-            <a:avLst/>
-          </a:prstGeom>
-          <a:solidFill>
-            <a:schemeClr val="tx1">
-              <a:lumMod val="75000"/>
-              <a:lumOff val="25000"/>
-            </a:schemeClr>
-          </a:solidFill>
-          <a:ln>
-            <a:noFill/>
-          </a:ln>
-        </p:spPr>
-        <p:style>
-          <a:lnRef idx="2">
-            <a:schemeClr val="accent1">
-              <a:shade val="50000"/>
-            </a:schemeClr>
-          </a:lnRef>
-          <a:fillRef idx="1">
-            <a:schemeClr val="accent1"/>
-          </a:fillRef>
-          <a:effectRef idx="0">
-            <a:schemeClr val="accent1"/>
-          </a:effectRef>
-          <a:fontRef idx="minor">
-            <a:schemeClr val="lt1"/>
-          </a:fontRef>
-        </p:style>
-        <p:txBody>
-          <a:bodyPr rtlCol="0" anchor="ctr"/>
-          <a:lstStyle/>
-          <a:p>
-            <a:pPr algn="ctr"/>
-            <a:endParaRPr lang="ko-KR" altLang="en-US" sz="1488">
-              <a:latin typeface="210 청춘시대 R" panose="02020603020101020101" pitchFamily="18" charset="-127"/>
-              <a:ea typeface="210 청춘시대 R" panose="02020603020101020101" pitchFamily="18" charset="-127"/>
-            </a:endParaRPr>
-          </a:p>
-        </p:txBody>
-      </p:sp>
       <p:sp>
         <p:nvSpPr>
           <p:cNvPr id="3" name="직사각형 2">
@@ -12435,7 +12213,9 @@
           <a:lstStyle/>
           <a:p>
             <a:pPr algn="ctr"/>
-            <a:endParaRPr lang="ko-KR" altLang="en-US"/>
+            <a:endParaRPr lang="ko-KR" altLang="en-US">
+              <a:latin typeface="Franklin Gothic Heavy" panose="020B0903020102020204" pitchFamily="34" charset="0"/>
+            </a:endParaRPr>
           </a:p>
         </p:txBody>
       </p:sp>
@@ -12496,7 +12276,9 @@
           <a:lstStyle/>
           <a:p>
             <a:pPr algn="ctr"/>
-            <a:endParaRPr lang="ko-KR" altLang="en-US" dirty="0"/>
+            <a:endParaRPr lang="ko-KR" altLang="en-US" dirty="0">
+              <a:latin typeface="Franklin Gothic Heavy" panose="020B0903020102020204" pitchFamily="34" charset="0"/>
+            </a:endParaRPr>
           </a:p>
         </p:txBody>
       </p:sp>
@@ -12533,7 +12315,7 @@
                 <a:solidFill>
                   <a:schemeClr val="bg1"/>
                 </a:solidFill>
-                <a:latin typeface="a가을소풍B" panose="02020600000000000000" pitchFamily="18" charset="-127"/>
+                <a:latin typeface="Franklin Gothic Heavy" panose="020B0903020102020204" pitchFamily="34" charset="0"/>
                 <a:ea typeface="a가을소풍B" panose="02020600000000000000" pitchFamily="18" charset="-127"/>
               </a:rPr>
               <a:t>해외여행도 </a:t>
@@ -12543,7 +12325,7 @@
                 <a:solidFill>
                   <a:srgbClr val="FFC000"/>
                 </a:solidFill>
-                <a:latin typeface="a가을소풍B" panose="02020600000000000000" pitchFamily="18" charset="-127"/>
+                <a:latin typeface="Franklin Gothic Heavy" panose="020B0903020102020204" pitchFamily="34" charset="0"/>
                 <a:ea typeface="a가을소풍B" panose="02020600000000000000" pitchFamily="18" charset="-127"/>
               </a:rPr>
               <a:t>‘</a:t>
@@ -12553,7 +12335,7 @@
                 <a:solidFill>
                   <a:srgbClr val="FFC000"/>
                 </a:solidFill>
-                <a:latin typeface="a가을소풍B" panose="02020600000000000000" pitchFamily="18" charset="-127"/>
+                <a:latin typeface="Franklin Gothic Heavy" panose="020B0903020102020204" pitchFamily="34" charset="0"/>
                 <a:ea typeface="a가을소풍B" panose="02020600000000000000" pitchFamily="18" charset="-127"/>
               </a:rPr>
               <a:t>혼자 가는</a:t>
@@ -12563,7 +12345,7 @@
                 <a:solidFill>
                   <a:srgbClr val="FFC000"/>
                 </a:solidFill>
-                <a:latin typeface="a가을소풍B" panose="02020600000000000000" pitchFamily="18" charset="-127"/>
+                <a:latin typeface="Franklin Gothic Heavy" panose="020B0903020102020204" pitchFamily="34" charset="0"/>
                 <a:ea typeface="a가을소풍B" panose="02020600000000000000" pitchFamily="18" charset="-127"/>
               </a:rPr>
               <a:t>’</a:t>
@@ -12573,7 +12355,7 @@
                 <a:solidFill>
                   <a:srgbClr val="FFC000"/>
                 </a:solidFill>
-                <a:latin typeface="a가을소풍B" panose="02020600000000000000" pitchFamily="18" charset="-127"/>
+                <a:latin typeface="Franklin Gothic Heavy" panose="020B0903020102020204" pitchFamily="34" charset="0"/>
                 <a:ea typeface="a가을소풍B" panose="02020600000000000000" pitchFamily="18" charset="-127"/>
               </a:rPr>
               <a:t> </a:t>
@@ -12583,7 +12365,7 @@
                 <a:solidFill>
                   <a:schemeClr val="bg1"/>
                 </a:solidFill>
-                <a:latin typeface="a가을소풍B" panose="02020600000000000000" pitchFamily="18" charset="-127"/>
+                <a:latin typeface="Franklin Gothic Heavy" panose="020B0903020102020204" pitchFamily="34" charset="0"/>
                 <a:ea typeface="a가을소풍B" panose="02020600000000000000" pitchFamily="18" charset="-127"/>
               </a:rPr>
               <a:t>상품이 인기입니다</a:t>
@@ -12593,7 +12375,7 @@
                 <a:solidFill>
                   <a:schemeClr val="bg1"/>
                 </a:solidFill>
-                <a:latin typeface="a가을소풍B" panose="02020600000000000000" pitchFamily="18" charset="-127"/>
+                <a:latin typeface="Franklin Gothic Heavy" panose="020B0903020102020204" pitchFamily="34" charset="0"/>
                 <a:ea typeface="a가을소풍B" panose="02020600000000000000" pitchFamily="18" charset="-127"/>
               </a:rPr>
               <a:t>. </a:t>
@@ -12603,7 +12385,7 @@
                 <a:solidFill>
                   <a:schemeClr val="bg1"/>
                 </a:solidFill>
-                <a:latin typeface="a가을소풍B" panose="02020600000000000000" pitchFamily="18" charset="-127"/>
+                <a:latin typeface="Franklin Gothic Heavy" panose="020B0903020102020204" pitchFamily="34" charset="0"/>
                 <a:ea typeface="a가을소풍B" panose="02020600000000000000" pitchFamily="18" charset="-127"/>
               </a:rPr>
               <a:t>티몬의</a:t>
@@ -12613,7 +12395,7 @@
                 <a:solidFill>
                   <a:schemeClr val="bg1"/>
                 </a:solidFill>
-                <a:latin typeface="a가을소풍B" panose="02020600000000000000" pitchFamily="18" charset="-127"/>
+                <a:latin typeface="Franklin Gothic Heavy" panose="020B0903020102020204" pitchFamily="34" charset="0"/>
                 <a:ea typeface="a가을소풍B" panose="02020600000000000000" pitchFamily="18" charset="-127"/>
               </a:rPr>
               <a:t> 자유여행 매출액 부분은 </a:t>
@@ -12623,7 +12405,7 @@
                 <a:solidFill>
                   <a:schemeClr val="bg1"/>
                 </a:solidFill>
-                <a:latin typeface="a가을소풍B" panose="02020600000000000000" pitchFamily="18" charset="-127"/>
+                <a:latin typeface="Franklin Gothic Heavy" panose="020B0903020102020204" pitchFamily="34" charset="0"/>
                 <a:ea typeface="a가을소풍B" panose="02020600000000000000" pitchFamily="18" charset="-127"/>
               </a:rPr>
               <a:t>95%</a:t>
@@ -12633,7 +12415,7 @@
                 <a:solidFill>
                   <a:schemeClr val="bg1"/>
                 </a:solidFill>
-                <a:latin typeface="a가을소풍B" panose="02020600000000000000" pitchFamily="18" charset="-127"/>
+                <a:latin typeface="Franklin Gothic Heavy" panose="020B0903020102020204" pitchFamily="34" charset="0"/>
                 <a:ea typeface="a가을소풍B" panose="02020600000000000000" pitchFamily="18" charset="-127"/>
               </a:rPr>
               <a:t>성장하였으며 </a:t>
@@ -12643,7 +12425,7 @@
                 <a:solidFill>
                   <a:schemeClr val="bg1"/>
                 </a:solidFill>
-                <a:latin typeface="a가을소풍B" panose="02020600000000000000" pitchFamily="18" charset="-127"/>
+                <a:latin typeface="Franklin Gothic Heavy" panose="020B0903020102020204" pitchFamily="34" charset="0"/>
                 <a:ea typeface="a가을소풍B" panose="02020600000000000000" pitchFamily="18" charset="-127"/>
               </a:rPr>
               <a:t>위메프도</a:t>
@@ -12653,7 +12435,7 @@
                 <a:solidFill>
                   <a:schemeClr val="bg1"/>
                 </a:solidFill>
-                <a:latin typeface="a가을소풍B" panose="02020600000000000000" pitchFamily="18" charset="-127"/>
+                <a:latin typeface="Franklin Gothic Heavy" panose="020B0903020102020204" pitchFamily="34" charset="0"/>
                 <a:ea typeface="a가을소풍B" panose="02020600000000000000" pitchFamily="18" charset="-127"/>
               </a:rPr>
               <a:t> </a:t>
@@ -12663,7 +12445,7 @@
                 <a:solidFill>
                   <a:schemeClr val="bg1"/>
                 </a:solidFill>
-                <a:latin typeface="a가을소풍B" panose="02020600000000000000" pitchFamily="18" charset="-127"/>
+                <a:latin typeface="Franklin Gothic Heavy" panose="020B0903020102020204" pitchFamily="34" charset="0"/>
                 <a:ea typeface="a가을소풍B" panose="02020600000000000000" pitchFamily="18" charset="-127"/>
               </a:rPr>
               <a:t>2013</a:t>
@@ -12673,7 +12455,7 @@
                 <a:solidFill>
                   <a:schemeClr val="bg1"/>
                 </a:solidFill>
-                <a:latin typeface="a가을소풍B" panose="02020600000000000000" pitchFamily="18" charset="-127"/>
+                <a:latin typeface="Franklin Gothic Heavy" panose="020B0903020102020204" pitchFamily="34" charset="0"/>
                 <a:ea typeface="a가을소풍B" panose="02020600000000000000" pitchFamily="18" charset="-127"/>
               </a:rPr>
               <a:t>년부터 자유여행 매출액 부분이 증가하는 추세입니다</a:t>
@@ -12683,7 +12465,7 @@
                 <a:solidFill>
                   <a:schemeClr val="bg1"/>
                 </a:solidFill>
-                <a:latin typeface="a가을소풍B" panose="02020600000000000000" pitchFamily="18" charset="-127"/>
+                <a:latin typeface="Franklin Gothic Heavy" panose="020B0903020102020204" pitchFamily="34" charset="0"/>
                 <a:ea typeface="a가을소풍B" panose="02020600000000000000" pitchFamily="18" charset="-127"/>
               </a:rPr>
               <a:t>.</a:t>
@@ -12739,7 +12521,9 @@
           <a:lstStyle/>
           <a:p>
             <a:pPr algn="ctr"/>
-            <a:endParaRPr lang="ko-KR" altLang="en-US"/>
+            <a:endParaRPr lang="ko-KR" altLang="en-US">
+              <a:latin typeface="Franklin Gothic Heavy" panose="020B0903020102020204" pitchFamily="34" charset="0"/>
+            </a:endParaRPr>
           </a:p>
         </p:txBody>
       </p:sp>
@@ -12775,6 +12559,7 @@
                 <a:solidFill>
                   <a:srgbClr val="FFC000"/>
                 </a:solidFill>
+                <a:latin typeface="Franklin Gothic Heavy" panose="020B0903020102020204" pitchFamily="34" charset="0"/>
                 <a:ea typeface="210 청춘시대 R" panose="02020603020101020101" pitchFamily="18" charset="-127"/>
               </a:rPr>
               <a:t>강지천뉴</a:t>
@@ -12784,6 +12569,7 @@
                 <a:solidFill>
                   <a:schemeClr val="bg1"/>
                 </a:solidFill>
+                <a:latin typeface="Franklin Gothic Heavy" panose="020B0903020102020204" pitchFamily="34" charset="0"/>
                 <a:ea typeface="210 청춘시대 R" panose="02020603020101020101" pitchFamily="18" charset="-127"/>
               </a:rPr>
               <a:t>스</a:t>
@@ -12792,6 +12578,7 @@
               <a:solidFill>
                 <a:schemeClr val="bg1"/>
               </a:solidFill>
+              <a:latin typeface="Franklin Gothic Heavy" panose="020B0903020102020204" pitchFamily="34" charset="0"/>
             </a:endParaRPr>
           </a:p>
         </p:txBody>
@@ -12862,7 +12649,7 @@
                 <a:solidFill>
                   <a:srgbClr val="84817E"/>
                 </a:solidFill>
-                <a:latin typeface="a가을소풍M" panose="02020600000000000000" pitchFamily="18" charset="-127"/>
+                <a:latin typeface="Franklin Gothic Heavy" panose="020B0903020102020204" pitchFamily="34" charset="0"/>
                 <a:ea typeface="a가을소풍M" panose="02020600000000000000" pitchFamily="18" charset="-127"/>
               </a:rPr>
               <a:t>로봇</a:t>
@@ -12872,7 +12659,7 @@
                 <a:solidFill>
                   <a:srgbClr val="84817E"/>
                 </a:solidFill>
-                <a:latin typeface="a가을소풍M" panose="02020600000000000000" pitchFamily="18" charset="-127"/>
+                <a:latin typeface="Franklin Gothic Heavy" panose="020B0903020102020204" pitchFamily="34" charset="0"/>
                 <a:ea typeface="a가을소풍M" panose="02020600000000000000" pitchFamily="18" charset="-127"/>
               </a:rPr>
               <a:t>, IoT, </a:t>
@@ -12882,7 +12669,7 @@
                 <a:solidFill>
                   <a:srgbClr val="84817E"/>
                 </a:solidFill>
-                <a:latin typeface="a가을소풍M" panose="02020600000000000000" pitchFamily="18" charset="-127"/>
+                <a:latin typeface="Franklin Gothic Heavy" panose="020B0903020102020204" pitchFamily="34" charset="0"/>
                 <a:ea typeface="a가을소풍M" panose="02020600000000000000" pitchFamily="18" charset="-127"/>
               </a:rPr>
               <a:t>각종 편의 앱</a:t>
@@ -12891,7 +12678,7 @@
               <a:solidFill>
                 <a:srgbClr val="84817E"/>
               </a:solidFill>
-              <a:latin typeface="a가을소풍M" panose="02020600000000000000" pitchFamily="18" charset="-127"/>
+              <a:latin typeface="Franklin Gothic Heavy" panose="020B0903020102020204" pitchFamily="34" charset="0"/>
               <a:ea typeface="a가을소풍M" panose="02020600000000000000" pitchFamily="18" charset="-127"/>
             </a:endParaRPr>
           </a:p>
@@ -12902,7 +12689,7 @@
                 <a:solidFill>
                   <a:srgbClr val="84817E"/>
                 </a:solidFill>
-                <a:latin typeface="a가을소풍M" panose="02020600000000000000" pitchFamily="18" charset="-127"/>
+                <a:latin typeface="Franklin Gothic Heavy" panose="020B0903020102020204" pitchFamily="34" charset="0"/>
                 <a:ea typeface="a가을소풍M" panose="02020600000000000000" pitchFamily="18" charset="-127"/>
               </a:rPr>
               <a:t>1</a:t>
@@ -12912,7 +12699,7 @@
                 <a:solidFill>
                   <a:srgbClr val="84817E"/>
                 </a:solidFill>
-                <a:latin typeface="a가을소풍M" panose="02020600000000000000" pitchFamily="18" charset="-127"/>
+                <a:latin typeface="Franklin Gothic Heavy" panose="020B0903020102020204" pitchFamily="34" charset="0"/>
                 <a:ea typeface="a가을소풍M" panose="02020600000000000000" pitchFamily="18" charset="-127"/>
               </a:rPr>
               <a:t>인가구시장의 블루오션</a:t>
@@ -12921,7 +12708,7 @@
               <a:solidFill>
                 <a:srgbClr val="84817E"/>
               </a:solidFill>
-              <a:latin typeface="a가을소풍M" panose="02020600000000000000" pitchFamily="18" charset="-127"/>
+              <a:latin typeface="Franklin Gothic Heavy" panose="020B0903020102020204" pitchFamily="34" charset="0"/>
               <a:ea typeface="a가을소풍M" panose="02020600000000000000" pitchFamily="18" charset="-127"/>
             </a:endParaRPr>
           </a:p>
@@ -13010,7 +12797,7 @@
                     <a:lumOff val="25000"/>
                   </a:schemeClr>
                 </a:solidFill>
-                <a:latin typeface="a가을소풍B" panose="02020600000000000000" pitchFamily="18" charset="-127"/>
+                <a:latin typeface="Franklin Gothic Heavy" panose="020B0903020102020204" pitchFamily="34" charset="0"/>
                 <a:ea typeface="a가을소풍B" panose="02020600000000000000" pitchFamily="18" charset="-127"/>
               </a:rPr>
               <a:t>한편</a:t>
@@ -13023,7 +12810,7 @@
                     <a:lumOff val="25000"/>
                   </a:schemeClr>
                 </a:solidFill>
-                <a:latin typeface="a가을소풍B" panose="02020600000000000000" pitchFamily="18" charset="-127"/>
+                <a:latin typeface="Franklin Gothic Heavy" panose="020B0903020102020204" pitchFamily="34" charset="0"/>
                 <a:ea typeface="a가을소풍B" panose="02020600000000000000" pitchFamily="18" charset="-127"/>
               </a:rPr>
               <a:t>, </a:t>
@@ -13036,7 +12823,7 @@
                     <a:lumOff val="25000"/>
                   </a:schemeClr>
                 </a:solidFill>
-                <a:latin typeface="a가을소풍B" panose="02020600000000000000" pitchFamily="18" charset="-127"/>
+                <a:latin typeface="Franklin Gothic Heavy" panose="020B0903020102020204" pitchFamily="34" charset="0"/>
                 <a:ea typeface="a가을소풍B" panose="02020600000000000000" pitchFamily="18" charset="-127"/>
               </a:rPr>
               <a:t>각종 스마트 기기 관련 기업 역시 </a:t>
@@ -13048,7 +12835,7 @@
                   <a:lumOff val="25000"/>
                 </a:schemeClr>
               </a:solidFill>
-              <a:latin typeface="a가을소풍B" panose="02020600000000000000" pitchFamily="18" charset="-127"/>
+              <a:latin typeface="Franklin Gothic Heavy" panose="020B0903020102020204" pitchFamily="34" charset="0"/>
               <a:ea typeface="a가을소풍B" panose="02020600000000000000" pitchFamily="18" charset="-127"/>
             </a:endParaRPr>
           </a:p>
@@ -13062,7 +12849,7 @@
                     <a:lumOff val="25000"/>
                   </a:schemeClr>
                 </a:solidFill>
-                <a:latin typeface="a가을소풍B" panose="02020600000000000000" pitchFamily="18" charset="-127"/>
+                <a:latin typeface="Franklin Gothic Heavy" panose="020B0903020102020204" pitchFamily="34" charset="0"/>
                 <a:ea typeface="a가을소풍B" panose="02020600000000000000" pitchFamily="18" charset="-127"/>
               </a:rPr>
               <a:t>1</a:t>
@@ -13075,7 +12862,7 @@
                     <a:lumOff val="25000"/>
                   </a:schemeClr>
                 </a:solidFill>
-                <a:latin typeface="a가을소풍B" panose="02020600000000000000" pitchFamily="18" charset="-127"/>
+                <a:latin typeface="Franklin Gothic Heavy" panose="020B0903020102020204" pitchFamily="34" charset="0"/>
                 <a:ea typeface="a가을소풍B" panose="02020600000000000000" pitchFamily="18" charset="-127"/>
               </a:rPr>
               <a:t>인 가구 대세현상에 뛰어들고 있습니다</a:t>
@@ -13088,7 +12875,7 @@
                     <a:lumOff val="25000"/>
                   </a:schemeClr>
                 </a:solidFill>
-                <a:latin typeface="a가을소풍B" panose="02020600000000000000" pitchFamily="18" charset="-127"/>
+                <a:latin typeface="Franklin Gothic Heavy" panose="020B0903020102020204" pitchFamily="34" charset="0"/>
                 <a:ea typeface="a가을소풍B" panose="02020600000000000000" pitchFamily="18" charset="-127"/>
               </a:rPr>
               <a:t>. </a:t>
@@ -13101,7 +12888,7 @@
                     <a:lumOff val="25000"/>
                   </a:schemeClr>
                 </a:solidFill>
-                <a:latin typeface="a가을소풍B" panose="02020600000000000000" pitchFamily="18" charset="-127"/>
+                <a:latin typeface="Franklin Gothic Heavy" panose="020B0903020102020204" pitchFamily="34" charset="0"/>
                 <a:ea typeface="a가을소풍B" panose="02020600000000000000" pitchFamily="18" charset="-127"/>
               </a:rPr>
               <a:t>이미 </a:t>
@@ -13114,7 +12901,7 @@
                     <a:lumOff val="25000"/>
                   </a:schemeClr>
                 </a:solidFill>
-                <a:latin typeface="a가을소풍B" panose="02020600000000000000" pitchFamily="18" charset="-127"/>
+                <a:latin typeface="Franklin Gothic Heavy" panose="020B0903020102020204" pitchFamily="34" charset="0"/>
                 <a:ea typeface="a가을소풍B" panose="02020600000000000000" pitchFamily="18" charset="-127"/>
               </a:rPr>
               <a:t>스마트홈</a:t>
@@ -13127,7 +12914,7 @@
                     <a:lumOff val="25000"/>
                   </a:schemeClr>
                 </a:solidFill>
-                <a:latin typeface="a가을소풍B" panose="02020600000000000000" pitchFamily="18" charset="-127"/>
+                <a:latin typeface="Franklin Gothic Heavy" panose="020B0903020102020204" pitchFamily="34" charset="0"/>
                 <a:ea typeface="a가을소풍B" panose="02020600000000000000" pitchFamily="18" charset="-127"/>
               </a:rPr>
               <a:t>, </a:t>
@@ -13140,7 +12927,7 @@
                     <a:lumOff val="25000"/>
                   </a:schemeClr>
                 </a:solidFill>
-                <a:latin typeface="a가을소풍B" panose="02020600000000000000" pitchFamily="18" charset="-127"/>
+                <a:latin typeface="Franklin Gothic Heavy" panose="020B0903020102020204" pitchFamily="34" charset="0"/>
                 <a:ea typeface="a가을소풍B" panose="02020600000000000000" pitchFamily="18" charset="-127"/>
               </a:rPr>
               <a:t>냉장고등이 사물인터넷으로 적용되고 있습니다</a:t>
@@ -13153,7 +12940,7 @@
                     <a:lumOff val="25000"/>
                   </a:schemeClr>
                 </a:solidFill>
-                <a:latin typeface="a가을소풍B" panose="02020600000000000000" pitchFamily="18" charset="-127"/>
+                <a:latin typeface="Franklin Gothic Heavy" panose="020B0903020102020204" pitchFamily="34" charset="0"/>
                 <a:ea typeface="a가을소풍B" panose="02020600000000000000" pitchFamily="18" charset="-127"/>
               </a:rPr>
               <a:t>.</a:t>
@@ -13218,7 +13005,9 @@
           <a:lstStyle/>
           <a:p>
             <a:pPr algn="ctr"/>
-            <a:endParaRPr lang="ko-KR" altLang="en-US" dirty="0"/>
+            <a:endParaRPr lang="ko-KR" altLang="en-US" dirty="0">
+              <a:latin typeface="Franklin Gothic Heavy" panose="020B0903020102020204" pitchFamily="34" charset="0"/>
+            </a:endParaRPr>
           </a:p>
         </p:txBody>
       </p:sp>
@@ -13268,7 +13057,7 @@
           <a:p>
             <a:pPr algn="ctr"/>
             <a:endParaRPr lang="ko-KR" altLang="en-US" sz="1488">
-              <a:latin typeface="210 청춘시대 R" panose="02020603020101020101" pitchFamily="18" charset="-127"/>
+              <a:latin typeface="Franklin Gothic Heavy" panose="020B0903020102020204" pitchFamily="34" charset="0"/>
               <a:ea typeface="210 청춘시대 R" panose="02020603020101020101" pitchFamily="18" charset="-127"/>
             </a:endParaRPr>
           </a:p>
@@ -13309,6 +13098,7 @@
                     <a:lumOff val="35000"/>
                   </a:schemeClr>
                 </a:solidFill>
+                <a:latin typeface="Franklin Gothic Heavy" panose="020B0903020102020204" pitchFamily="34" charset="0"/>
                 <a:ea typeface="210 청춘시대 R" panose="02020603020101020101" pitchFamily="18" charset="-127"/>
               </a:rPr>
               <a:t>강지천뉴</a:t>
@@ -13318,6 +13108,7 @@
                 <a:solidFill>
                   <a:schemeClr val="bg1"/>
                 </a:solidFill>
+                <a:latin typeface="Franklin Gothic Heavy" panose="020B0903020102020204" pitchFamily="34" charset="0"/>
                 <a:ea typeface="210 청춘시대 R" panose="02020603020101020101" pitchFamily="18" charset="-127"/>
               </a:rPr>
               <a:t>스</a:t>
@@ -13326,6 +13117,7 @@
               <a:solidFill>
                 <a:schemeClr val="bg1"/>
               </a:solidFill>
+              <a:latin typeface="Franklin Gothic Heavy" panose="020B0903020102020204" pitchFamily="34" charset="0"/>
             </a:endParaRPr>
           </a:p>
         </p:txBody>
@@ -13413,7 +13205,7 @@
           <a:p>
             <a:pPr algn="ctr"/>
             <a:endParaRPr lang="ko-KR" altLang="en-US" sz="4465" b="1" dirty="0">
-              <a:latin typeface="210 청춘시대 R" panose="02020603020101020101" pitchFamily="18" charset="-127"/>
+              <a:latin typeface="Franklin Gothic Heavy" panose="020B0903020102020204" pitchFamily="34" charset="0"/>
               <a:ea typeface="210 청춘시대 R" panose="02020603020101020101" pitchFamily="18" charset="-127"/>
             </a:endParaRPr>
           </a:p>
@@ -13471,7 +13263,7 @@
           <a:p>
             <a:pPr algn="ctr"/>
             <a:endParaRPr lang="ko-KR" altLang="en-US" sz="1488">
-              <a:latin typeface="210 청춘시대 R" panose="02020603020101020101" pitchFamily="18" charset="-127"/>
+              <a:latin typeface="Franklin Gothic Heavy" panose="020B0903020102020204" pitchFamily="34" charset="0"/>
               <a:ea typeface="210 청춘시대 R" panose="02020603020101020101" pitchFamily="18" charset="-127"/>
             </a:endParaRPr>
           </a:p>
@@ -13509,7 +13301,7 @@
                 <a:solidFill>
                   <a:srgbClr val="404040"/>
                 </a:solidFill>
-                <a:latin typeface="a가을소풍M" panose="02020600000000000000" pitchFamily="18" charset="-127"/>
+                <a:latin typeface="Franklin Gothic Heavy" panose="020B0903020102020204" pitchFamily="34" charset="0"/>
                 <a:ea typeface="a가을소풍M" panose="02020600000000000000" pitchFamily="18" charset="-127"/>
               </a:rPr>
               <a:t>http://www.businessplus.kr/news/articleView.html?idxno=8625</a:t>
@@ -13553,7 +13345,7 @@
                     <a:lumOff val="25000"/>
                   </a:schemeClr>
                 </a:solidFill>
-                <a:latin typeface="a가을소풍B" panose="02020600000000000000" pitchFamily="18" charset="-127"/>
+                <a:latin typeface="Franklin Gothic Heavy" panose="020B0903020102020204" pitchFamily="34" charset="0"/>
                 <a:ea typeface="a가을소풍B" panose="02020600000000000000" pitchFamily="18" charset="-127"/>
               </a:rPr>
               <a:t>DBR:</a:t>
@@ -13566,7 +13358,7 @@
                     <a:lumOff val="25000"/>
                   </a:schemeClr>
                 </a:solidFill>
-                <a:latin typeface="a가을소풍B" panose="02020600000000000000" pitchFamily="18" charset="-127"/>
+                <a:latin typeface="Franklin Gothic Heavy" panose="020B0903020102020204" pitchFamily="34" charset="0"/>
                 <a:ea typeface="a가을소풍B" panose="02020600000000000000" pitchFamily="18" charset="-127"/>
               </a:rPr>
               <a:t>동아비즈니스리뷰 </a:t>
@@ -13579,7 +13371,7 @@
                     <a:lumOff val="25000"/>
                   </a:schemeClr>
                 </a:solidFill>
-                <a:latin typeface="a가을소풍B" panose="02020600000000000000" pitchFamily="18" charset="-127"/>
+                <a:latin typeface="Franklin Gothic Heavy" panose="020B0903020102020204" pitchFamily="34" charset="0"/>
                 <a:ea typeface="a가을소풍B" panose="02020600000000000000" pitchFamily="18" charset="-127"/>
               </a:rPr>
               <a:t>2017</a:t>
@@ -13592,7 +13384,7 @@
                     <a:lumOff val="25000"/>
                   </a:schemeClr>
                 </a:solidFill>
-                <a:latin typeface="a가을소풍B" panose="02020600000000000000" pitchFamily="18" charset="-127"/>
+                <a:latin typeface="Franklin Gothic Heavy" panose="020B0903020102020204" pitchFamily="34" charset="0"/>
                 <a:ea typeface="a가을소풍B" panose="02020600000000000000" pitchFamily="18" charset="-127"/>
               </a:rPr>
               <a:t>년 </a:t>
@@ -13605,7 +13397,7 @@
                     <a:lumOff val="25000"/>
                   </a:schemeClr>
                 </a:solidFill>
-                <a:latin typeface="a가을소풍B" panose="02020600000000000000" pitchFamily="18" charset="-127"/>
+                <a:latin typeface="Franklin Gothic Heavy" panose="020B0903020102020204" pitchFamily="34" charset="0"/>
                 <a:ea typeface="a가을소풍B" panose="02020600000000000000" pitchFamily="18" charset="-127"/>
               </a:rPr>
               <a:t>7</a:t>
@@ -13618,7 +13410,7 @@
                     <a:lumOff val="25000"/>
                   </a:schemeClr>
                 </a:solidFill>
-                <a:latin typeface="a가을소풍B" panose="02020600000000000000" pitchFamily="18" charset="-127"/>
+                <a:latin typeface="Franklin Gothic Heavy" panose="020B0903020102020204" pitchFamily="34" charset="0"/>
                 <a:ea typeface="a가을소풍B" panose="02020600000000000000" pitchFamily="18" charset="-127"/>
               </a:rPr>
               <a:t>월 </a:t>
@@ -13631,7 +13423,7 @@
                     <a:lumOff val="25000"/>
                   </a:schemeClr>
                 </a:solidFill>
-                <a:latin typeface="a가을소풍B" panose="02020600000000000000" pitchFamily="18" charset="-127"/>
+                <a:latin typeface="Franklin Gothic Heavy" panose="020B0903020102020204" pitchFamily="34" charset="0"/>
                 <a:ea typeface="a가을소풍B" panose="02020600000000000000" pitchFamily="18" charset="-127"/>
               </a:rPr>
               <a:t>issue</a:t>
@@ -13671,6 +13463,7 @@
                 <a:solidFill>
                   <a:schemeClr val="bg1"/>
                 </a:solidFill>
+                <a:latin typeface="Franklin Gothic Heavy" panose="020B0903020102020204" pitchFamily="34" charset="0"/>
               </a:rPr>
               <a:t>출처</a:t>
             </a:r>
@@ -13725,7 +13518,9 @@
           <a:lstStyle/>
           <a:p>
             <a:pPr algn="ctr"/>
-            <a:endParaRPr lang="ko-KR" altLang="en-US" dirty="0"/>
+            <a:endParaRPr lang="ko-KR" altLang="en-US" dirty="0">
+              <a:latin typeface="Franklin Gothic Heavy" panose="020B0903020102020204" pitchFamily="34" charset="0"/>
+            </a:endParaRPr>
           </a:p>
         </p:txBody>
       </p:sp>
@@ -13744,7 +13539,7 @@
         <p:spPr>
           <a:xfrm>
             <a:off x="2629769" y="6636266"/>
-            <a:ext cx="2324434" cy="446276"/>
+            <a:ext cx="2324434" cy="1154162"/>
           </a:xfrm>
           <a:prstGeom prst="rect">
             <a:avLst/>
@@ -13756,21 +13551,54 @@
           </a:bodyPr>
           <a:lstStyle/>
           <a:p>
+            <a:pPr algn="ctr"/>
             <a:r>
               <a:rPr lang="en-US" altLang="ko-KR" sz="2300" dirty="0">
                 <a:solidFill>
                   <a:srgbClr val="404040"/>
                 </a:solidFill>
-                <a:latin typeface="a가을소풍M" panose="02020600000000000000" pitchFamily="18" charset="-127"/>
+                <a:latin typeface="Franklin Gothic Heavy" panose="020B0903020102020204" pitchFamily="34" charset="0"/>
                 <a:ea typeface="a가을소풍M" panose="02020600000000000000" pitchFamily="18" charset="-127"/>
               </a:rPr>
               <a:t>Google Image</a:t>
+            </a:r>
+          </a:p>
+          <a:p>
+            <a:endParaRPr lang="en-US" altLang="ko-KR" sz="2300" dirty="0">
+              <a:solidFill>
+                <a:srgbClr val="404040"/>
+              </a:solidFill>
+              <a:latin typeface="Franklin Gothic Heavy" panose="020B0903020102020204" pitchFamily="34" charset="0"/>
+              <a:ea typeface="a가을소풍M" panose="02020600000000000000" pitchFamily="18" charset="-127"/>
+            </a:endParaRPr>
+          </a:p>
+          <a:p>
+            <a:pPr algn="ctr"/>
+            <a:r>
+              <a:rPr lang="en-US" altLang="ko-KR" sz="2300" dirty="0">
+                <a:solidFill>
+                  <a:srgbClr val="404040"/>
+                </a:solidFill>
+                <a:latin typeface="Franklin Gothic Heavy" panose="020B0903020102020204" pitchFamily="34" charset="0"/>
+                <a:ea typeface="a가을소풍M" panose="02020600000000000000" pitchFamily="18" charset="-127"/>
+              </a:rPr>
+              <a:t>RPM </a:t>
+            </a:r>
+            <a:r>
+              <a:rPr lang="ko-KR" altLang="en-US" sz="2300" dirty="0" err="1">
+                <a:solidFill>
+                  <a:srgbClr val="404040"/>
+                </a:solidFill>
+                <a:latin typeface="Franklin Gothic Heavy" panose="020B0903020102020204" pitchFamily="34" charset="0"/>
+                <a:ea typeface="a가을소풍M" panose="02020600000000000000" pitchFamily="18" charset="-127"/>
+              </a:rPr>
+              <a:t>소학회</a:t>
             </a:r>
             <a:endParaRPr lang="ko-KR" altLang="en-US" sz="2300" dirty="0">
               <a:solidFill>
                 <a:srgbClr val="404040"/>
               </a:solidFill>
-              <a:latin typeface="a가을소풍M" panose="02020600000000000000" pitchFamily="18" charset="-127"/>
+              <a:latin typeface="Franklin Gothic Heavy" panose="020B0903020102020204" pitchFamily="34" charset="0"/>
               <a:ea typeface="a가을소풍M" panose="02020600000000000000" pitchFamily="18" charset="-127"/>
             </a:endParaRPr>
           </a:p>
